--- a/bishops/cs321/resources/CS321_Lecture_07A.pptx
+++ b/bishops/cs321/resources/CS321_Lecture_07A.pptx
@@ -144,7 +144,7 @@
   </p:defaultTextStyle>
   <p:extLst>
     <p:ext uri="{EFAFB233-063F-42B5-8137-9DF3F51BA10A}">
-      <p15:sldGuideLst xmlns:p15="http://schemas.microsoft.com/office/powerpoint/2012/main"/>
+      <p15:sldGuideLst xmlns:p15="http://schemas.microsoft.com/office/powerpoint/2012/main" xmlns=""/>
     </p:ext>
   </p:extLst>
 </p:presentation>
@@ -155,7 +155,7 @@
   <p:cmAuthor id="1" name="Gregory" initials="G" lastIdx="1" clrIdx="0">
     <p:extLst>
       <p:ext uri="{19B8F6BF-5375-455C-9EA6-DF929625EA0E}">
-        <p15:presenceInfo xmlns:p15="http://schemas.microsoft.com/office/powerpoint/2012/main" userId="Gregory" providerId="None"/>
+        <p15:presenceInfo xmlns:p15="http://schemas.microsoft.com/office/powerpoint/2012/main" xmlns="" userId="Gregory" providerId="None"/>
       </p:ext>
     </p:extLst>
   </p:cmAuthor>
@@ -244,7 +244,8 @@
           <a:p>
             <a:fld id="{A6583E9D-07AB-4C6D-BFD0-47E805C6B3D4}" type="datetimeFigureOut">
               <a:rPr lang="en-CA" smtClean="0"/>
-              <a:t>2022-01-31</a:t>
+              <a:pPr/>
+              <a:t>2025-01-05</a:t>
             </a:fld>
             <a:endParaRPr lang="en-CA"/>
           </a:p>
@@ -403,6 +404,7 @@
           <a:p>
             <a:fld id="{8F20841C-25C9-4C0C-A7FA-C4A363D14F5A}" type="slidenum">
               <a:rPr lang="en-CA" smtClean="0"/>
+              <a:pPr/>
               <a:t>‹#›</a:t>
             </a:fld>
             <a:endParaRPr lang="en-CA"/>
@@ -412,7 +414,7 @@
     </p:spTree>
     <p:extLst>
       <p:ext uri="{BB962C8B-B14F-4D97-AF65-F5344CB8AC3E}">
-        <p14:creationId xmlns:p14="http://schemas.microsoft.com/office/powerpoint/2010/main" val="4237529172"/>
+        <p14:creationId xmlns:p14="http://schemas.microsoft.com/office/powerpoint/2010/main" xmlns="" val="4237529172"/>
       </p:ext>
     </p:extLst>
   </p:cSld>
@@ -556,14 +558,6 @@
           <a:bodyPr/>
           <a:lstStyle/>
           <a:p>
-            <a:r>
-              <a:rPr lang="en-CA" dirty="0"/>
-              <a:t>Multi-instrument</a:t>
-            </a:r>
-            <a:r>
-              <a:rPr lang="en-CA" baseline="0" dirty="0"/>
-              <a:t> / Multi-instrument Inter-process (minus the)-with Eye Trackers-</a:t>
-            </a:r>
             <a:endParaRPr lang="en-CA" dirty="0"/>
           </a:p>
         </p:txBody>
@@ -585,6 +579,7 @@
           <a:p>
             <a:fld id="{8F20841C-25C9-4C0C-A7FA-C4A363D14F5A}" type="slidenum">
               <a:rPr lang="en-CA" smtClean="0"/>
+              <a:pPr/>
               <a:t>1</a:t>
             </a:fld>
             <a:endParaRPr lang="en-CA"/>
@@ -594,7 +589,7 @@
     </p:spTree>
     <p:extLst>
       <p:ext uri="{BB962C8B-B14F-4D97-AF65-F5344CB8AC3E}">
-        <p14:creationId xmlns:p14="http://schemas.microsoft.com/office/powerpoint/2010/main" val="2340334442"/>
+        <p14:creationId xmlns:p14="http://schemas.microsoft.com/office/powerpoint/2010/main" xmlns="" val="2340334442"/>
       </p:ext>
     </p:extLst>
   </p:cSld>
@@ -669,6 +664,7 @@
           <a:p>
             <a:fld id="{8F20841C-25C9-4C0C-A7FA-C4A363D14F5A}" type="slidenum">
               <a:rPr lang="en-CA" smtClean="0"/>
+              <a:pPr/>
               <a:t>14</a:t>
             </a:fld>
             <a:endParaRPr lang="en-CA"/>
@@ -678,7 +674,7 @@
     </p:spTree>
     <p:extLst>
       <p:ext uri="{BB962C8B-B14F-4D97-AF65-F5344CB8AC3E}">
-        <p14:creationId xmlns:p14="http://schemas.microsoft.com/office/powerpoint/2010/main" val="605109939"/>
+        <p14:creationId xmlns:p14="http://schemas.microsoft.com/office/powerpoint/2010/main" xmlns="" val="605109939"/>
       </p:ext>
     </p:extLst>
   </p:cSld>
@@ -872,6 +868,7 @@
           <a:p>
             <a:fld id="{5174927E-2439-42C0-9720-7BBCA09BF46F}" type="slidenum">
               <a:rPr lang="en-CA" smtClean="0"/>
+              <a:pPr/>
               <a:t>‹#›</a:t>
             </a:fld>
             <a:endParaRPr lang="en-CA"/>
@@ -881,7 +878,7 @@
     </p:spTree>
     <p:extLst>
       <p:ext uri="{BB962C8B-B14F-4D97-AF65-F5344CB8AC3E}">
-        <p14:creationId xmlns:p14="http://schemas.microsoft.com/office/powerpoint/2010/main" val="1900560834"/>
+        <p14:creationId xmlns:p14="http://schemas.microsoft.com/office/powerpoint/2010/main" xmlns="" val="1900560834"/>
       </p:ext>
     </p:extLst>
   </p:cSld>
@@ -1045,6 +1042,7 @@
           <a:p>
             <a:fld id="{5174927E-2439-42C0-9720-7BBCA09BF46F}" type="slidenum">
               <a:rPr lang="en-CA" smtClean="0"/>
+              <a:pPr/>
               <a:t>‹#›</a:t>
             </a:fld>
             <a:endParaRPr lang="en-CA"/>
@@ -1054,7 +1052,7 @@
     </p:spTree>
     <p:extLst>
       <p:ext uri="{BB962C8B-B14F-4D97-AF65-F5344CB8AC3E}">
-        <p14:creationId xmlns:p14="http://schemas.microsoft.com/office/powerpoint/2010/main" val="3722958745"/>
+        <p14:creationId xmlns:p14="http://schemas.microsoft.com/office/powerpoint/2010/main" xmlns="" val="3722958745"/>
       </p:ext>
     </p:extLst>
   </p:cSld>
@@ -1290,7 +1288,7 @@
     </p:spTree>
     <p:extLst>
       <p:ext uri="{BB962C8B-B14F-4D97-AF65-F5344CB8AC3E}">
-        <p14:creationId xmlns:p14="http://schemas.microsoft.com/office/powerpoint/2010/main" val="1822376042"/>
+        <p14:creationId xmlns:p14="http://schemas.microsoft.com/office/powerpoint/2010/main" xmlns="" val="1822376042"/>
       </p:ext>
     </p:extLst>
   </p:cSld>
@@ -1530,6 +1528,7 @@
           <a:p>
             <a:fld id="{5174927E-2439-42C0-9720-7BBCA09BF46F}" type="slidenum">
               <a:rPr lang="en-CA" smtClean="0"/>
+              <a:pPr/>
               <a:t>‹#›</a:t>
             </a:fld>
             <a:endParaRPr lang="en-CA"/>
@@ -1539,7 +1538,7 @@
     </p:spTree>
     <p:extLst>
       <p:ext uri="{BB962C8B-B14F-4D97-AF65-F5344CB8AC3E}">
-        <p14:creationId xmlns:p14="http://schemas.microsoft.com/office/powerpoint/2010/main" val="3411672561"/>
+        <p14:creationId xmlns:p14="http://schemas.microsoft.com/office/powerpoint/2010/main" xmlns="" val="3411672561"/>
       </p:ext>
     </p:extLst>
   </p:cSld>
@@ -1765,6 +1764,7 @@
           <a:p>
             <a:fld id="{5174927E-2439-42C0-9720-7BBCA09BF46F}" type="slidenum">
               <a:rPr lang="en-CA" smtClean="0"/>
+              <a:pPr/>
               <a:t>‹#›</a:t>
             </a:fld>
             <a:endParaRPr lang="en-CA"/>
@@ -1774,7 +1774,7 @@
     </p:spTree>
     <p:extLst>
       <p:ext uri="{BB962C8B-B14F-4D97-AF65-F5344CB8AC3E}">
-        <p14:creationId xmlns:p14="http://schemas.microsoft.com/office/powerpoint/2010/main" val="1093008526"/>
+        <p14:creationId xmlns:p14="http://schemas.microsoft.com/office/powerpoint/2010/main" xmlns="" val="1093008526"/>
       </p:ext>
     </p:extLst>
   </p:cSld>
@@ -2135,6 +2135,7 @@
           <a:p>
             <a:fld id="{5174927E-2439-42C0-9720-7BBCA09BF46F}" type="slidenum">
               <a:rPr lang="en-CA" smtClean="0"/>
+              <a:pPr/>
               <a:t>‹#›</a:t>
             </a:fld>
             <a:endParaRPr lang="en-CA"/>
@@ -2144,7 +2145,7 @@
     </p:spTree>
     <p:extLst>
       <p:ext uri="{BB962C8B-B14F-4D97-AF65-F5344CB8AC3E}">
-        <p14:creationId xmlns:p14="http://schemas.microsoft.com/office/powerpoint/2010/main" val="1087924878"/>
+        <p14:creationId xmlns:p14="http://schemas.microsoft.com/office/powerpoint/2010/main" xmlns="" val="1087924878"/>
       </p:ext>
     </p:extLst>
   </p:cSld>
@@ -2256,6 +2257,7 @@
           <a:p>
             <a:fld id="{5174927E-2439-42C0-9720-7BBCA09BF46F}" type="slidenum">
               <a:rPr lang="en-CA" smtClean="0"/>
+              <a:pPr/>
               <a:t>‹#›</a:t>
             </a:fld>
             <a:endParaRPr lang="en-CA"/>
@@ -2265,7 +2267,7 @@
     </p:spTree>
     <p:extLst>
       <p:ext uri="{BB962C8B-B14F-4D97-AF65-F5344CB8AC3E}">
-        <p14:creationId xmlns:p14="http://schemas.microsoft.com/office/powerpoint/2010/main" val="3802387408"/>
+        <p14:creationId xmlns:p14="http://schemas.microsoft.com/office/powerpoint/2010/main" xmlns="" val="3802387408"/>
       </p:ext>
     </p:extLst>
   </p:cSld>
@@ -2354,6 +2356,7 @@
           <a:p>
             <a:fld id="{5174927E-2439-42C0-9720-7BBCA09BF46F}" type="slidenum">
               <a:rPr lang="en-CA" smtClean="0"/>
+              <a:pPr/>
               <a:t>‹#›</a:t>
             </a:fld>
             <a:endParaRPr lang="en-CA"/>
@@ -2363,7 +2366,7 @@
     </p:spTree>
     <p:extLst>
       <p:ext uri="{BB962C8B-B14F-4D97-AF65-F5344CB8AC3E}">
-        <p14:creationId xmlns:p14="http://schemas.microsoft.com/office/powerpoint/2010/main" val="4234091411"/>
+        <p14:creationId xmlns:p14="http://schemas.microsoft.com/office/powerpoint/2010/main" xmlns="" val="4234091411"/>
       </p:ext>
     </p:extLst>
   </p:cSld>
@@ -2634,6 +2637,7 @@
           <a:p>
             <a:fld id="{5174927E-2439-42C0-9720-7BBCA09BF46F}" type="slidenum">
               <a:rPr lang="en-CA" smtClean="0"/>
+              <a:pPr/>
               <a:t>‹#›</a:t>
             </a:fld>
             <a:endParaRPr lang="en-CA"/>
@@ -2643,7 +2647,7 @@
     </p:spTree>
     <p:extLst>
       <p:ext uri="{BB962C8B-B14F-4D97-AF65-F5344CB8AC3E}">
-        <p14:creationId xmlns:p14="http://schemas.microsoft.com/office/powerpoint/2010/main" val="4189422420"/>
+        <p14:creationId xmlns:p14="http://schemas.microsoft.com/office/powerpoint/2010/main" xmlns="" val="4189422420"/>
       </p:ext>
     </p:extLst>
   </p:cSld>
@@ -2890,6 +2894,7 @@
           <a:p>
             <a:fld id="{5174927E-2439-42C0-9720-7BBCA09BF46F}" type="slidenum">
               <a:rPr lang="en-CA" smtClean="0"/>
+              <a:pPr/>
               <a:t>‹#›</a:t>
             </a:fld>
             <a:endParaRPr lang="en-CA"/>
@@ -2899,7 +2904,7 @@
     </p:spTree>
     <p:extLst>
       <p:ext uri="{BB962C8B-B14F-4D97-AF65-F5344CB8AC3E}">
-        <p14:creationId xmlns:p14="http://schemas.microsoft.com/office/powerpoint/2010/main" val="3252977898"/>
+        <p14:creationId xmlns:p14="http://schemas.microsoft.com/office/powerpoint/2010/main" xmlns="" val="3252977898"/>
       </p:ext>
     </p:extLst>
   </p:cSld>
@@ -3165,10 +3170,10 @@
           <p:nvPr userDrawn="1"/>
         </p:nvPicPr>
         <p:blipFill>
-          <a:blip r:embed="rId13">
+          <a:blip r:embed="rId13" cstate="print">
             <a:extLst>
               <a:ext uri="{28A0092B-C50C-407E-A947-70E740481C1C}">
-                <a14:useLocalDpi xmlns:a14="http://schemas.microsoft.com/office/drawing/2010/main" val="0"/>
+                <a14:useLocalDpi xmlns:a14="http://schemas.microsoft.com/office/drawing/2010/main" xmlns="" val="0"/>
               </a:ext>
             </a:extLst>
           </a:blip>
@@ -3189,7 +3194,7 @@
     </p:spTree>
     <p:extLst>
       <p:ext uri="{BB962C8B-B14F-4D97-AF65-F5344CB8AC3E}">
-        <p14:creationId xmlns:p14="http://schemas.microsoft.com/office/powerpoint/2010/main" val="4230061028"/>
+        <p14:creationId xmlns:p14="http://schemas.microsoft.com/office/powerpoint/2010/main" xmlns="" val="4230061028"/>
       </p:ext>
     </p:extLst>
   </p:cSld>
@@ -3626,17 +3631,12 @@
           <a:p>
             <a:r>
               <a:rPr lang="en-CA" dirty="0"/>
-              <a:t>Prof: Gregory Mierzwinski</a:t>
-            </a:r>
-            <a:endParaRPr lang="en-CA" baseline="30000" dirty="0"/>
-          </a:p>
-          <a:p>
-            <a:r>
-              <a:rPr lang="en-CA" dirty="0"/>
-              <a:t>Date: January 31, 2022</a:t>
-            </a:r>
-          </a:p>
-          <a:p>
+              <a:t>Prof: Gregory </a:t>
+            </a:r>
+            <a:r>
+              <a:rPr lang="en-CA" dirty="0" err="1" smtClean="0"/>
+              <a:t>Mierzwinski</a:t>
+            </a:r>
             <a:endParaRPr lang="en-CA" dirty="0"/>
           </a:p>
         </p:txBody>
@@ -3646,7 +3646,7 @@
           <p:cNvPr id="13" name="Picture 8" descr="http://osiris.ubishops.ca/~alussier/images/transparentlogo_bu.png">
             <a:extLst>
               <a:ext uri="{FF2B5EF4-FFF2-40B4-BE49-F238E27FC236}">
-                <a16:creationId xmlns:a16="http://schemas.microsoft.com/office/drawing/2014/main" id="{CCB9A035-2F1C-4B96-A5DB-70B72D6E4AD8}"/>
+                <a16:creationId xmlns:a16="http://schemas.microsoft.com/office/drawing/2014/main" xmlns="" id="{CCB9A035-2F1C-4B96-A5DB-70B72D6E4AD8}"/>
               </a:ext>
             </a:extLst>
           </p:cNvPr>
@@ -3656,10 +3656,10 @@
           <p:nvPr/>
         </p:nvPicPr>
         <p:blipFill>
-          <a:blip r:embed="rId3">
+          <a:blip r:embed="rId3" cstate="print">
             <a:extLst>
               <a:ext uri="{28A0092B-C50C-407E-A947-70E740481C1C}">
-                <a14:useLocalDpi xmlns:a14="http://schemas.microsoft.com/office/drawing/2010/main" val="0"/>
+                <a14:useLocalDpi xmlns:a14="http://schemas.microsoft.com/office/drawing/2010/main" xmlns="" val="0"/>
               </a:ext>
             </a:extLst>
           </a:blip>
@@ -3679,7 +3679,7 @@
           <a:noFill/>
           <a:extLst>
             <a:ext uri="{909E8E84-426E-40DD-AFC4-6F175D3DCCD1}">
-              <a14:hiddenFill xmlns:a14="http://schemas.microsoft.com/office/drawing/2010/main">
+              <a14:hiddenFill xmlns:a14="http://schemas.microsoft.com/office/drawing/2010/main" xmlns="">
                 <a:solidFill>
                   <a:srgbClr val="FFFFFF"/>
                 </a:solidFill>
@@ -3691,7 +3691,7 @@
     </p:spTree>
     <p:extLst>
       <p:ext uri="{BB962C8B-B14F-4D97-AF65-F5344CB8AC3E}">
-        <p14:creationId xmlns:p14="http://schemas.microsoft.com/office/powerpoint/2010/main" val="4177077622"/>
+        <p14:creationId xmlns:p14="http://schemas.microsoft.com/office/powerpoint/2010/main" xmlns="" val="4177077622"/>
       </p:ext>
     </p:extLst>
   </p:cSld>
@@ -3769,28 +3769,6 @@
       </p:sp>
       <p:sp>
         <p:nvSpPr>
-          <p:cNvPr id="6" name="Date Placeholder 5"/>
-          <p:cNvSpPr>
-            <a:spLocks noGrp="1"/>
-          </p:cNvSpPr>
-          <p:nvPr>
-            <p:ph type="dt" sz="half" idx="2"/>
-          </p:nvPr>
-        </p:nvSpPr>
-        <p:spPr/>
-        <p:txBody>
-          <a:bodyPr/>
-          <a:lstStyle/>
-          <a:p>
-            <a:r>
-              <a:rPr lang="en-CA" dirty="0"/>
-              <a:t>Winter 2022</a:t>
-            </a:r>
-          </a:p>
-        </p:txBody>
-      </p:sp>
-      <p:sp>
-        <p:nvSpPr>
           <p:cNvPr id="10" name="Footer Placeholder 9"/>
           <p:cNvSpPr>
             <a:spLocks noGrp="1"/>
@@ -3843,7 +3821,7 @@
           <p:cNvPr id="8" name="Group 3">
             <a:extLst>
               <a:ext uri="{FF2B5EF4-FFF2-40B4-BE49-F238E27FC236}">
-                <a16:creationId xmlns:a16="http://schemas.microsoft.com/office/drawing/2014/main" id="{F66084D1-3BE9-486A-BA4A-8E0AF75106C5}"/>
+                <a16:creationId xmlns:a16="http://schemas.microsoft.com/office/drawing/2014/main" xmlns="" id="{F66084D1-3BE9-486A-BA4A-8E0AF75106C5}"/>
               </a:ext>
             </a:extLst>
           </p:cNvPr>
@@ -3865,7 +3843,7 @@
             <p:cNvPr id="9" name="AutoShape 4">
               <a:extLst>
                 <a:ext uri="{FF2B5EF4-FFF2-40B4-BE49-F238E27FC236}">
-                  <a16:creationId xmlns:a16="http://schemas.microsoft.com/office/drawing/2014/main" id="{3C82847E-7E0D-49D3-9B87-91EB44D70E2D}"/>
+                  <a16:creationId xmlns:a16="http://schemas.microsoft.com/office/drawing/2014/main" xmlns="" id="{3C82847E-7E0D-49D3-9B87-91EB44D70E2D}"/>
                 </a:ext>
               </a:extLst>
             </p:cNvPr>
@@ -4006,7 +3984,7 @@
             <p:cNvPr id="11" name="Text Box 5">
               <a:extLst>
                 <a:ext uri="{FF2B5EF4-FFF2-40B4-BE49-F238E27FC236}">
-                  <a16:creationId xmlns:a16="http://schemas.microsoft.com/office/drawing/2014/main" id="{3024CD90-EDAD-4319-B0FB-68801EA4DA6B}"/>
+                  <a16:creationId xmlns:a16="http://schemas.microsoft.com/office/drawing/2014/main" xmlns="" id="{3024CD90-EDAD-4319-B0FB-68801EA4DA6B}"/>
                 </a:ext>
               </a:extLst>
             </p:cNvPr>
@@ -4029,14 +4007,14 @@
             </a:ln>
             <a:extLst>
               <a:ext uri="{909E8E84-426E-40DD-AFC4-6F175D3DCCD1}">
-                <a14:hiddenFill xmlns:a14="http://schemas.microsoft.com/office/drawing/2010/main">
+                <a14:hiddenFill xmlns:a14="http://schemas.microsoft.com/office/drawing/2010/main" xmlns="">
                   <a:solidFill>
                     <a:srgbClr val="FFFFFF"/>
                   </a:solidFill>
                 </a14:hiddenFill>
               </a:ext>
               <a:ext uri="{91240B29-F687-4F45-9708-019B960494DF}">
-                <a14:hiddenLine xmlns:a14="http://schemas.microsoft.com/office/drawing/2010/main" w="9525">
+                <a14:hiddenLine xmlns:a14="http://schemas.microsoft.com/office/drawing/2010/main" xmlns="" w="9525">
                   <a:solidFill>
                     <a:srgbClr val="000000"/>
                   </a:solidFill>
@@ -4956,7 +4934,7 @@
     </p:spTree>
     <p:extLst>
       <p:ext uri="{BB962C8B-B14F-4D97-AF65-F5344CB8AC3E}">
-        <p14:creationId xmlns:p14="http://schemas.microsoft.com/office/powerpoint/2010/main" val="3324926567"/>
+        <p14:creationId xmlns:p14="http://schemas.microsoft.com/office/powerpoint/2010/main" xmlns="" val="3324926567"/>
       </p:ext>
     </p:extLst>
   </p:cSld>
@@ -5067,28 +5045,6 @@
       </p:sp>
       <p:sp>
         <p:nvSpPr>
-          <p:cNvPr id="6" name="Date Placeholder 5"/>
-          <p:cNvSpPr>
-            <a:spLocks noGrp="1"/>
-          </p:cNvSpPr>
-          <p:nvPr>
-            <p:ph type="dt" sz="half" idx="2"/>
-          </p:nvPr>
-        </p:nvSpPr>
-        <p:spPr/>
-        <p:txBody>
-          <a:bodyPr/>
-          <a:lstStyle/>
-          <a:p>
-            <a:r>
-              <a:rPr lang="en-CA" dirty="0"/>
-              <a:t>Winter 2022</a:t>
-            </a:r>
-          </a:p>
-        </p:txBody>
-      </p:sp>
-      <p:sp>
-        <p:nvSpPr>
           <p:cNvPr id="10" name="Footer Placeholder 9"/>
           <p:cNvSpPr>
             <a:spLocks noGrp="1"/>
@@ -5139,7 +5095,7 @@
     </p:spTree>
     <p:extLst>
       <p:ext uri="{BB962C8B-B14F-4D97-AF65-F5344CB8AC3E}">
-        <p14:creationId xmlns:p14="http://schemas.microsoft.com/office/powerpoint/2010/main" val="2164119821"/>
+        <p14:creationId xmlns:p14="http://schemas.microsoft.com/office/powerpoint/2010/main" xmlns="" val="2164119821"/>
       </p:ext>
     </p:extLst>
   </p:cSld>
@@ -5217,28 +5173,6 @@
       </p:sp>
       <p:sp>
         <p:nvSpPr>
-          <p:cNvPr id="6" name="Date Placeholder 5"/>
-          <p:cNvSpPr>
-            <a:spLocks noGrp="1"/>
-          </p:cNvSpPr>
-          <p:nvPr>
-            <p:ph type="dt" sz="half" idx="2"/>
-          </p:nvPr>
-        </p:nvSpPr>
-        <p:spPr/>
-        <p:txBody>
-          <a:bodyPr/>
-          <a:lstStyle/>
-          <a:p>
-            <a:r>
-              <a:rPr lang="en-CA" dirty="0"/>
-              <a:t>Winter 2022</a:t>
-            </a:r>
-          </a:p>
-        </p:txBody>
-      </p:sp>
-      <p:sp>
-        <p:nvSpPr>
           <p:cNvPr id="10" name="Footer Placeholder 9"/>
           <p:cNvSpPr>
             <a:spLocks noGrp="1"/>
@@ -5291,7 +5225,7 @@
           <p:cNvPr id="7" name="Group 3">
             <a:extLst>
               <a:ext uri="{FF2B5EF4-FFF2-40B4-BE49-F238E27FC236}">
-                <a16:creationId xmlns:a16="http://schemas.microsoft.com/office/drawing/2014/main" id="{137B6D70-BBF3-4C5D-B5F1-78D5A727899F}"/>
+                <a16:creationId xmlns:a16="http://schemas.microsoft.com/office/drawing/2014/main" xmlns="" id="{137B6D70-BBF3-4C5D-B5F1-78D5A727899F}"/>
               </a:ext>
             </a:extLst>
           </p:cNvPr>
@@ -5313,7 +5247,7 @@
             <p:cNvPr id="8" name="AutoShape 4">
               <a:extLst>
                 <a:ext uri="{FF2B5EF4-FFF2-40B4-BE49-F238E27FC236}">
-                  <a16:creationId xmlns:a16="http://schemas.microsoft.com/office/drawing/2014/main" id="{8185E2CD-E0E0-49A0-AA5C-8A67F7A70ECE}"/>
+                  <a16:creationId xmlns:a16="http://schemas.microsoft.com/office/drawing/2014/main" xmlns="" id="{8185E2CD-E0E0-49A0-AA5C-8A67F7A70ECE}"/>
                 </a:ext>
               </a:extLst>
             </p:cNvPr>
@@ -5454,7 +5388,7 @@
             <p:cNvPr id="9" name="Text Box 5">
               <a:extLst>
                 <a:ext uri="{FF2B5EF4-FFF2-40B4-BE49-F238E27FC236}">
-                  <a16:creationId xmlns:a16="http://schemas.microsoft.com/office/drawing/2014/main" id="{B503E8F1-4E1C-4587-A157-A82B653E4CA5}"/>
+                  <a16:creationId xmlns:a16="http://schemas.microsoft.com/office/drawing/2014/main" xmlns="" id="{B503E8F1-4E1C-4587-A157-A82B653E4CA5}"/>
                 </a:ext>
               </a:extLst>
             </p:cNvPr>
@@ -5477,14 +5411,14 @@
             </a:ln>
             <a:extLst>
               <a:ext uri="{909E8E84-426E-40DD-AFC4-6F175D3DCCD1}">
-                <a14:hiddenFill xmlns:a14="http://schemas.microsoft.com/office/drawing/2010/main">
+                <a14:hiddenFill xmlns:a14="http://schemas.microsoft.com/office/drawing/2010/main" xmlns="">
                   <a:solidFill>
                     <a:srgbClr val="FFFFFF"/>
                   </a:solidFill>
                 </a14:hiddenFill>
               </a:ext>
               <a:ext uri="{91240B29-F687-4F45-9708-019B960494DF}">
-                <a14:hiddenLine xmlns:a14="http://schemas.microsoft.com/office/drawing/2010/main" w="9525">
+                <a14:hiddenLine xmlns:a14="http://schemas.microsoft.com/office/drawing/2010/main" xmlns="" w="9525">
                   <a:solidFill>
                     <a:srgbClr val="000000"/>
                   </a:solidFill>
@@ -6250,7 +6184,7 @@
     </p:spTree>
     <p:extLst>
       <p:ext uri="{BB962C8B-B14F-4D97-AF65-F5344CB8AC3E}">
-        <p14:creationId xmlns:p14="http://schemas.microsoft.com/office/powerpoint/2010/main" val="4042133477"/>
+        <p14:creationId xmlns:p14="http://schemas.microsoft.com/office/powerpoint/2010/main" xmlns="" val="4042133477"/>
       </p:ext>
     </p:extLst>
   </p:cSld>
@@ -6328,28 +6262,6 @@
       </p:sp>
       <p:sp>
         <p:nvSpPr>
-          <p:cNvPr id="6" name="Date Placeholder 5"/>
-          <p:cNvSpPr>
-            <a:spLocks noGrp="1"/>
-          </p:cNvSpPr>
-          <p:nvPr>
-            <p:ph type="dt" sz="half" idx="2"/>
-          </p:nvPr>
-        </p:nvSpPr>
-        <p:spPr/>
-        <p:txBody>
-          <a:bodyPr/>
-          <a:lstStyle/>
-          <a:p>
-            <a:r>
-              <a:rPr lang="en-CA" dirty="0"/>
-              <a:t>Winter 2022</a:t>
-            </a:r>
-          </a:p>
-        </p:txBody>
-      </p:sp>
-      <p:sp>
-        <p:nvSpPr>
           <p:cNvPr id="10" name="Footer Placeholder 9"/>
           <p:cNvSpPr>
             <a:spLocks noGrp="1"/>
@@ -6402,7 +6314,7 @@
           <p:cNvPr id="11" name="AutoShape 3">
             <a:extLst>
               <a:ext uri="{FF2B5EF4-FFF2-40B4-BE49-F238E27FC236}">
-                <a16:creationId xmlns:a16="http://schemas.microsoft.com/office/drawing/2014/main" id="{BBBE85D5-38A5-4422-A965-63ED0908CBA7}"/>
+                <a16:creationId xmlns:a16="http://schemas.microsoft.com/office/drawing/2014/main" xmlns="" id="{BBBE85D5-38A5-4422-A965-63ED0908CBA7}"/>
               </a:ext>
             </a:extLst>
           </p:cNvPr>
@@ -6543,7 +6455,7 @@
           <p:cNvPr id="13" name="Text Box 4">
             <a:extLst>
               <a:ext uri="{FF2B5EF4-FFF2-40B4-BE49-F238E27FC236}">
-                <a16:creationId xmlns:a16="http://schemas.microsoft.com/office/drawing/2014/main" id="{B39FF972-E8C3-48C2-B87A-529AB1CEB94B}"/>
+                <a16:creationId xmlns:a16="http://schemas.microsoft.com/office/drawing/2014/main" xmlns="" id="{B39FF972-E8C3-48C2-B87A-529AB1CEB94B}"/>
               </a:ext>
             </a:extLst>
           </p:cNvPr>
@@ -6566,14 +6478,14 @@
           </a:ln>
           <a:extLst>
             <a:ext uri="{909E8E84-426E-40DD-AFC4-6F175D3DCCD1}">
-              <a14:hiddenFill xmlns:a14="http://schemas.microsoft.com/office/drawing/2010/main">
+              <a14:hiddenFill xmlns:a14="http://schemas.microsoft.com/office/drawing/2010/main" xmlns="">
                 <a:solidFill>
                   <a:srgbClr val="FFFFFF"/>
                 </a:solidFill>
               </a14:hiddenFill>
             </a:ext>
             <a:ext uri="{91240B29-F687-4F45-9708-019B960494DF}">
-              <a14:hiddenLine xmlns:a14="http://schemas.microsoft.com/office/drawing/2010/main" w="9525">
+              <a14:hiddenLine xmlns:a14="http://schemas.microsoft.com/office/drawing/2010/main" xmlns="" w="9525">
                 <a:solidFill>
                   <a:srgbClr val="000000"/>
                 </a:solidFill>
@@ -6993,7 +6905,7 @@
     </p:spTree>
     <p:extLst>
       <p:ext uri="{BB962C8B-B14F-4D97-AF65-F5344CB8AC3E}">
-        <p14:creationId xmlns:p14="http://schemas.microsoft.com/office/powerpoint/2010/main" val="1470913372"/>
+        <p14:creationId xmlns:p14="http://schemas.microsoft.com/office/powerpoint/2010/main" xmlns="" val="1470913372"/>
       </p:ext>
     </p:extLst>
   </p:cSld>
@@ -7107,28 +7019,6 @@
       </p:sp>
       <p:sp>
         <p:nvSpPr>
-          <p:cNvPr id="6" name="Date Placeholder 5"/>
-          <p:cNvSpPr>
-            <a:spLocks noGrp="1"/>
-          </p:cNvSpPr>
-          <p:nvPr>
-            <p:ph type="dt" sz="half" idx="2"/>
-          </p:nvPr>
-        </p:nvSpPr>
-        <p:spPr/>
-        <p:txBody>
-          <a:bodyPr/>
-          <a:lstStyle/>
-          <a:p>
-            <a:r>
-              <a:rPr lang="en-CA" dirty="0"/>
-              <a:t>Winter 2022</a:t>
-            </a:r>
-          </a:p>
-        </p:txBody>
-      </p:sp>
-      <p:sp>
-        <p:nvSpPr>
           <p:cNvPr id="10" name="Footer Placeholder 9"/>
           <p:cNvSpPr>
             <a:spLocks noGrp="1"/>
@@ -7181,7 +7071,7 @@
           <p:cNvPr id="7" name="AutoShape 4">
             <a:extLst>
               <a:ext uri="{FF2B5EF4-FFF2-40B4-BE49-F238E27FC236}">
-                <a16:creationId xmlns:a16="http://schemas.microsoft.com/office/drawing/2014/main" id="{9ED416FE-38EF-4EE4-A8D3-B40B66689BED}"/>
+                <a16:creationId xmlns:a16="http://schemas.microsoft.com/office/drawing/2014/main" xmlns="" id="{9ED416FE-38EF-4EE4-A8D3-B40B66689BED}"/>
               </a:ext>
             </a:extLst>
           </p:cNvPr>
@@ -7322,7 +7212,7 @@
           <p:cNvPr id="8" name="Text Box 5">
             <a:extLst>
               <a:ext uri="{FF2B5EF4-FFF2-40B4-BE49-F238E27FC236}">
-                <a16:creationId xmlns:a16="http://schemas.microsoft.com/office/drawing/2014/main" id="{D520E0D0-C46C-426F-87C6-8867A8D83E30}"/>
+                <a16:creationId xmlns:a16="http://schemas.microsoft.com/office/drawing/2014/main" xmlns="" id="{D520E0D0-C46C-426F-87C6-8867A8D83E30}"/>
               </a:ext>
             </a:extLst>
           </p:cNvPr>
@@ -7345,14 +7235,14 @@
           </a:ln>
           <a:extLst>
             <a:ext uri="{909E8E84-426E-40DD-AFC4-6F175D3DCCD1}">
-              <a14:hiddenFill xmlns:a14="http://schemas.microsoft.com/office/drawing/2010/main">
+              <a14:hiddenFill xmlns:a14="http://schemas.microsoft.com/office/drawing/2010/main" xmlns="">
                 <a:solidFill>
                   <a:srgbClr val="FFFFFF"/>
                 </a:solidFill>
               </a14:hiddenFill>
             </a:ext>
             <a:ext uri="{91240B29-F687-4F45-9708-019B960494DF}">
-              <a14:hiddenLine xmlns:a14="http://schemas.microsoft.com/office/drawing/2010/main" w="9525">
+              <a14:hiddenLine xmlns:a14="http://schemas.microsoft.com/office/drawing/2010/main" xmlns="" w="9525">
                 <a:solidFill>
                   <a:srgbClr val="000000"/>
                 </a:solidFill>
@@ -7625,7 +7515,7 @@
           <p:cNvPr id="9" name="Text Box 6">
             <a:extLst>
               <a:ext uri="{FF2B5EF4-FFF2-40B4-BE49-F238E27FC236}">
-                <a16:creationId xmlns:a16="http://schemas.microsoft.com/office/drawing/2014/main" id="{2921C274-2657-4B5A-85A1-4E7328B13C75}"/>
+                <a16:creationId xmlns:a16="http://schemas.microsoft.com/office/drawing/2014/main" xmlns="" id="{2921C274-2657-4B5A-85A1-4E7328B13C75}"/>
               </a:ext>
             </a:extLst>
           </p:cNvPr>
@@ -7648,14 +7538,14 @@
           </a:ln>
           <a:extLst>
             <a:ext uri="{909E8E84-426E-40DD-AFC4-6F175D3DCCD1}">
-              <a14:hiddenFill xmlns:a14="http://schemas.microsoft.com/office/drawing/2010/main">
+              <a14:hiddenFill xmlns:a14="http://schemas.microsoft.com/office/drawing/2010/main" xmlns="">
                 <a:solidFill>
                   <a:srgbClr val="FFFFFF"/>
                 </a:solidFill>
               </a14:hiddenFill>
             </a:ext>
             <a:ext uri="{91240B29-F687-4F45-9708-019B960494DF}">
-              <a14:hiddenLine xmlns:a14="http://schemas.microsoft.com/office/drawing/2010/main" w="9525">
+              <a14:hiddenLine xmlns:a14="http://schemas.microsoft.com/office/drawing/2010/main" xmlns="" w="9525">
                 <a:solidFill>
                   <a:srgbClr val="000000"/>
                 </a:solidFill>
@@ -7818,7 +7708,7 @@
           <p:cNvPr id="11" name="Text Box 7">
             <a:extLst>
               <a:ext uri="{FF2B5EF4-FFF2-40B4-BE49-F238E27FC236}">
-                <a16:creationId xmlns:a16="http://schemas.microsoft.com/office/drawing/2014/main" id="{69A140C2-A5DF-425E-B95B-C433C7B0AA85}"/>
+                <a16:creationId xmlns:a16="http://schemas.microsoft.com/office/drawing/2014/main" xmlns="" id="{69A140C2-A5DF-425E-B95B-C433C7B0AA85}"/>
               </a:ext>
             </a:extLst>
           </p:cNvPr>
@@ -7841,14 +7731,14 @@
           </a:ln>
           <a:extLst>
             <a:ext uri="{909E8E84-426E-40DD-AFC4-6F175D3DCCD1}">
-              <a14:hiddenFill xmlns:a14="http://schemas.microsoft.com/office/drawing/2010/main">
+              <a14:hiddenFill xmlns:a14="http://schemas.microsoft.com/office/drawing/2010/main" xmlns="">
                 <a:solidFill>
                   <a:srgbClr val="FFFFFF"/>
                 </a:solidFill>
               </a14:hiddenFill>
             </a:ext>
             <a:ext uri="{91240B29-F687-4F45-9708-019B960494DF}">
-              <a14:hiddenLine xmlns:a14="http://schemas.microsoft.com/office/drawing/2010/main" w="9525">
+              <a14:hiddenLine xmlns:a14="http://schemas.microsoft.com/office/drawing/2010/main" xmlns="" w="9525">
                 <a:solidFill>
                   <a:srgbClr val="000000"/>
                 </a:solidFill>
@@ -8011,7 +7901,7 @@
           <p:cNvPr id="13" name="Oval 8">
             <a:extLst>
               <a:ext uri="{FF2B5EF4-FFF2-40B4-BE49-F238E27FC236}">
-                <a16:creationId xmlns:a16="http://schemas.microsoft.com/office/drawing/2014/main" id="{A46A460B-A338-4E5A-9295-6EADBCE3D906}"/>
+                <a16:creationId xmlns:a16="http://schemas.microsoft.com/office/drawing/2014/main" xmlns="" id="{A46A460B-A338-4E5A-9295-6EADBCE3D906}"/>
               </a:ext>
             </a:extLst>
           </p:cNvPr>
@@ -8242,7 +8132,7 @@
           <p:cNvPr id="14" name="Oval 9">
             <a:extLst>
               <a:ext uri="{FF2B5EF4-FFF2-40B4-BE49-F238E27FC236}">
-                <a16:creationId xmlns:a16="http://schemas.microsoft.com/office/drawing/2014/main" id="{AFF21FFC-FB0A-49C2-B173-CDCEE89E3473}"/>
+                <a16:creationId xmlns:a16="http://schemas.microsoft.com/office/drawing/2014/main" xmlns="" id="{AFF21FFC-FB0A-49C2-B173-CDCEE89E3473}"/>
               </a:ext>
             </a:extLst>
           </p:cNvPr>
@@ -8489,7 +8379,7 @@
           <p:cNvPr id="15" name="Line 13">
             <a:extLst>
               <a:ext uri="{FF2B5EF4-FFF2-40B4-BE49-F238E27FC236}">
-                <a16:creationId xmlns:a16="http://schemas.microsoft.com/office/drawing/2014/main" id="{B01B189D-7EE9-4635-95A0-F0AC47FC7685}"/>
+                <a16:creationId xmlns:a16="http://schemas.microsoft.com/office/drawing/2014/main" xmlns="" id="{B01B189D-7EE9-4635-95A0-F0AC47FC7685}"/>
               </a:ext>
             </a:extLst>
           </p:cNvPr>
@@ -8518,12 +8408,12 @@
           <a:effectLst/>
           <a:extLst>
             <a:ext uri="{909E8E84-426E-40DD-AFC4-6F175D3DCCD1}">
-              <a14:hiddenFill xmlns:a14="http://schemas.microsoft.com/office/drawing/2010/main">
+              <a14:hiddenFill xmlns:a14="http://schemas.microsoft.com/office/drawing/2010/main" xmlns="">
                 <a:noFill/>
               </a14:hiddenFill>
             </a:ext>
             <a:ext uri="{AF507438-7753-43E0-B8FC-AC1667EBCBE1}">
-              <a14:hiddenEffects xmlns:a14="http://schemas.microsoft.com/office/drawing/2010/main">
+              <a14:hiddenEffects xmlns:a14="http://schemas.microsoft.com/office/drawing/2010/main" xmlns="">
                 <a:effectLst>
                   <a:outerShdw blurRad="63500" dist="38099" dir="2700000" algn="ctr" rotWithShape="0">
                     <a:schemeClr val="bg2">
@@ -8553,7 +8443,7 @@
           <p:cNvPr id="16" name="Line 14">
             <a:extLst>
               <a:ext uri="{FF2B5EF4-FFF2-40B4-BE49-F238E27FC236}">
-                <a16:creationId xmlns:a16="http://schemas.microsoft.com/office/drawing/2014/main" id="{AAEDF2F3-CB49-4E45-B684-901B0A3782E0}"/>
+                <a16:creationId xmlns:a16="http://schemas.microsoft.com/office/drawing/2014/main" xmlns="" id="{AAEDF2F3-CB49-4E45-B684-901B0A3782E0}"/>
               </a:ext>
             </a:extLst>
           </p:cNvPr>
@@ -8582,12 +8472,12 @@
           <a:effectLst/>
           <a:extLst>
             <a:ext uri="{909E8E84-426E-40DD-AFC4-6F175D3DCCD1}">
-              <a14:hiddenFill xmlns:a14="http://schemas.microsoft.com/office/drawing/2010/main">
+              <a14:hiddenFill xmlns:a14="http://schemas.microsoft.com/office/drawing/2010/main" xmlns="">
                 <a:noFill/>
               </a14:hiddenFill>
             </a:ext>
             <a:ext uri="{AF507438-7753-43E0-B8FC-AC1667EBCBE1}">
-              <a14:hiddenEffects xmlns:a14="http://schemas.microsoft.com/office/drawing/2010/main">
+              <a14:hiddenEffects xmlns:a14="http://schemas.microsoft.com/office/drawing/2010/main" xmlns="">
                 <a:effectLst>
                   <a:outerShdw blurRad="63500" dist="38099" dir="2700000" algn="ctr" rotWithShape="0">
                     <a:schemeClr val="bg2">
@@ -8615,7 +8505,7 @@
     </p:spTree>
     <p:extLst>
       <p:ext uri="{BB962C8B-B14F-4D97-AF65-F5344CB8AC3E}">
-        <p14:creationId xmlns:p14="http://schemas.microsoft.com/office/powerpoint/2010/main" val="701769279"/>
+        <p14:creationId xmlns:p14="http://schemas.microsoft.com/office/powerpoint/2010/main" xmlns="" val="701769279"/>
       </p:ext>
     </p:extLst>
   </p:cSld>
@@ -8693,28 +8583,6 @@
       </p:sp>
       <p:sp>
         <p:nvSpPr>
-          <p:cNvPr id="6" name="Date Placeholder 5"/>
-          <p:cNvSpPr>
-            <a:spLocks noGrp="1"/>
-          </p:cNvSpPr>
-          <p:nvPr>
-            <p:ph type="dt" sz="half" idx="2"/>
-          </p:nvPr>
-        </p:nvSpPr>
-        <p:spPr/>
-        <p:txBody>
-          <a:bodyPr/>
-          <a:lstStyle/>
-          <a:p>
-            <a:r>
-              <a:rPr lang="en-CA" dirty="0"/>
-              <a:t>Winter 2022</a:t>
-            </a:r>
-          </a:p>
-        </p:txBody>
-      </p:sp>
-      <p:sp>
-        <p:nvSpPr>
           <p:cNvPr id="10" name="Footer Placeholder 9"/>
           <p:cNvSpPr>
             <a:spLocks noGrp="1"/>
@@ -8767,7 +8635,7 @@
           <p:cNvPr id="7" name="Text Box 6">
             <a:extLst>
               <a:ext uri="{FF2B5EF4-FFF2-40B4-BE49-F238E27FC236}">
-                <a16:creationId xmlns:a16="http://schemas.microsoft.com/office/drawing/2014/main" id="{D4F146D4-B34A-4FA5-B9EC-188D8034732E}"/>
+                <a16:creationId xmlns:a16="http://schemas.microsoft.com/office/drawing/2014/main" xmlns="" id="{D4F146D4-B34A-4FA5-B9EC-188D8034732E}"/>
               </a:ext>
             </a:extLst>
           </p:cNvPr>
@@ -8798,7 +8666,7 @@
           <a:effectLst/>
           <a:extLst>
             <a:ext uri="{AF507438-7753-43E0-B8FC-AC1667EBCBE1}">
-              <a14:hiddenEffects xmlns:a14="http://schemas.microsoft.com/office/drawing/2010/main">
+              <a14:hiddenEffects xmlns:a14="http://schemas.microsoft.com/office/drawing/2010/main" xmlns="">
                 <a:effectLst>
                   <a:outerShdw blurRad="63500" dist="38099" dir="2700000" algn="ctr" rotWithShape="0">
                     <a:schemeClr val="bg2">
@@ -9087,7 +8955,7 @@
           <p:cNvPr id="8" name="Text Box 7">
             <a:extLst>
               <a:ext uri="{FF2B5EF4-FFF2-40B4-BE49-F238E27FC236}">
-                <a16:creationId xmlns:a16="http://schemas.microsoft.com/office/drawing/2014/main" id="{7A8A6252-199B-4DAC-8701-0D84FC6428E6}"/>
+                <a16:creationId xmlns:a16="http://schemas.microsoft.com/office/drawing/2014/main" xmlns="" id="{7A8A6252-199B-4DAC-8701-0D84FC6428E6}"/>
               </a:ext>
             </a:extLst>
           </p:cNvPr>
@@ -9118,7 +8986,7 @@
           <a:effectLst/>
           <a:extLst>
             <a:ext uri="{AF507438-7753-43E0-B8FC-AC1667EBCBE1}">
-              <a14:hiddenEffects xmlns:a14="http://schemas.microsoft.com/office/drawing/2010/main">
+              <a14:hiddenEffects xmlns:a14="http://schemas.microsoft.com/office/drawing/2010/main" xmlns="">
                 <a:effectLst>
                   <a:outerShdw blurRad="63500" dist="38099" dir="2700000" algn="ctr" rotWithShape="0">
                     <a:schemeClr val="bg2">
@@ -9490,7 +9358,7 @@
     </p:spTree>
     <p:extLst>
       <p:ext uri="{BB962C8B-B14F-4D97-AF65-F5344CB8AC3E}">
-        <p14:creationId xmlns:p14="http://schemas.microsoft.com/office/powerpoint/2010/main" val="2650176656"/>
+        <p14:creationId xmlns:p14="http://schemas.microsoft.com/office/powerpoint/2010/main" xmlns="" val="2650176656"/>
       </p:ext>
     </p:extLst>
   </p:cSld>
@@ -9552,7 +9420,7 @@
         <p:spPr/>
         <p:txBody>
           <a:bodyPr>
-            <a:normAutofit fontScale="92500" lnSpcReduction="20000"/>
+            <a:normAutofit fontScale="92500" lnSpcReduction="10000"/>
           </a:bodyPr>
           <a:lstStyle/>
           <a:p>
@@ -9639,28 +9507,6 @@
             <a:r>
               <a:rPr lang="en-US" dirty="0"/>
               <a:t>Polymorphism is: The method being invoked on an object is determined AT RUNTIME and is based on the type of the object receiving the message.</a:t>
-            </a:r>
-          </a:p>
-        </p:txBody>
-      </p:sp>
-      <p:sp>
-        <p:nvSpPr>
-          <p:cNvPr id="6" name="Date Placeholder 5"/>
-          <p:cNvSpPr>
-            <a:spLocks noGrp="1"/>
-          </p:cNvSpPr>
-          <p:nvPr>
-            <p:ph type="dt" sz="half" idx="2"/>
-          </p:nvPr>
-        </p:nvSpPr>
-        <p:spPr/>
-        <p:txBody>
-          <a:bodyPr/>
-          <a:lstStyle/>
-          <a:p>
-            <a:r>
-              <a:rPr lang="en-CA" dirty="0"/>
-              <a:t>Winter 2022</a:t>
             </a:r>
           </a:p>
         </p:txBody>
@@ -9717,7 +9563,7 @@
     </p:spTree>
     <p:extLst>
       <p:ext uri="{BB962C8B-B14F-4D97-AF65-F5344CB8AC3E}">
-        <p14:creationId xmlns:p14="http://schemas.microsoft.com/office/powerpoint/2010/main" val="3814198654"/>
+        <p14:creationId xmlns:p14="http://schemas.microsoft.com/office/powerpoint/2010/main" xmlns="" val="3814198654"/>
       </p:ext>
     </p:extLst>
   </p:cSld>
@@ -9843,28 +9689,6 @@
       </p:sp>
       <p:sp>
         <p:nvSpPr>
-          <p:cNvPr id="6" name="Date Placeholder 5"/>
-          <p:cNvSpPr>
-            <a:spLocks noGrp="1"/>
-          </p:cNvSpPr>
-          <p:nvPr>
-            <p:ph type="dt" sz="half" idx="2"/>
-          </p:nvPr>
-        </p:nvSpPr>
-        <p:spPr/>
-        <p:txBody>
-          <a:bodyPr/>
-          <a:lstStyle/>
-          <a:p>
-            <a:r>
-              <a:rPr lang="en-CA" dirty="0"/>
-              <a:t>Winter 2022</a:t>
-            </a:r>
-          </a:p>
-        </p:txBody>
-      </p:sp>
-      <p:sp>
-        <p:nvSpPr>
           <p:cNvPr id="10" name="Footer Placeholder 9"/>
           <p:cNvSpPr>
             <a:spLocks noGrp="1"/>
@@ -9917,7 +9741,7 @@
           <p:cNvPr id="7" name="AutoShape 8">
             <a:extLst>
               <a:ext uri="{FF2B5EF4-FFF2-40B4-BE49-F238E27FC236}">
-                <a16:creationId xmlns:a16="http://schemas.microsoft.com/office/drawing/2014/main" id="{C3886160-B49F-4C00-933E-34CBE181C72E}"/>
+                <a16:creationId xmlns:a16="http://schemas.microsoft.com/office/drawing/2014/main" xmlns="" id="{C3886160-B49F-4C00-933E-34CBE181C72E}"/>
               </a:ext>
             </a:extLst>
           </p:cNvPr>
@@ -10058,7 +9882,7 @@
           <p:cNvPr id="8" name="Text Box 9">
             <a:extLst>
               <a:ext uri="{FF2B5EF4-FFF2-40B4-BE49-F238E27FC236}">
-                <a16:creationId xmlns:a16="http://schemas.microsoft.com/office/drawing/2014/main" id="{88652A10-FC89-40AE-A217-35F7E7B59523}"/>
+                <a16:creationId xmlns:a16="http://schemas.microsoft.com/office/drawing/2014/main" xmlns="" id="{88652A10-FC89-40AE-A217-35F7E7B59523}"/>
               </a:ext>
             </a:extLst>
           </p:cNvPr>
@@ -10081,14 +9905,14 @@
           </a:ln>
           <a:extLst>
             <a:ext uri="{909E8E84-426E-40DD-AFC4-6F175D3DCCD1}">
-              <a14:hiddenFill xmlns:a14="http://schemas.microsoft.com/office/drawing/2010/main">
+              <a14:hiddenFill xmlns:a14="http://schemas.microsoft.com/office/drawing/2010/main" xmlns="">
                 <a:solidFill>
                   <a:srgbClr val="FFFFFF"/>
                 </a:solidFill>
               </a14:hiddenFill>
             </a:ext>
             <a:ext uri="{91240B29-F687-4F45-9708-019B960494DF}">
-              <a14:hiddenLine xmlns:a14="http://schemas.microsoft.com/office/drawing/2010/main" w="9525">
+              <a14:hiddenLine xmlns:a14="http://schemas.microsoft.com/office/drawing/2010/main" xmlns="" w="9525">
                 <a:solidFill>
                   <a:srgbClr val="000000"/>
                 </a:solidFill>
@@ -10328,7 +10152,7 @@
           <p:cNvPr id="9" name="AutoShape 5">
             <a:extLst>
               <a:ext uri="{FF2B5EF4-FFF2-40B4-BE49-F238E27FC236}">
-                <a16:creationId xmlns:a16="http://schemas.microsoft.com/office/drawing/2014/main" id="{493B7B25-8D86-4D7F-BFC0-98B50F100589}"/>
+                <a16:creationId xmlns:a16="http://schemas.microsoft.com/office/drawing/2014/main" xmlns="" id="{493B7B25-8D86-4D7F-BFC0-98B50F100589}"/>
               </a:ext>
             </a:extLst>
           </p:cNvPr>
@@ -10469,7 +10293,7 @@
           <p:cNvPr id="11" name="Text Box 6">
             <a:extLst>
               <a:ext uri="{FF2B5EF4-FFF2-40B4-BE49-F238E27FC236}">
-                <a16:creationId xmlns:a16="http://schemas.microsoft.com/office/drawing/2014/main" id="{790AA718-0D3E-4215-B18C-ADF04450A08B}"/>
+                <a16:creationId xmlns:a16="http://schemas.microsoft.com/office/drawing/2014/main" xmlns="" id="{790AA718-0D3E-4215-B18C-ADF04450A08B}"/>
               </a:ext>
             </a:extLst>
           </p:cNvPr>
@@ -10492,14 +10316,14 @@
           </a:ln>
           <a:extLst>
             <a:ext uri="{909E8E84-426E-40DD-AFC4-6F175D3DCCD1}">
-              <a14:hiddenFill xmlns:a14="http://schemas.microsoft.com/office/drawing/2010/main">
+              <a14:hiddenFill xmlns:a14="http://schemas.microsoft.com/office/drawing/2010/main" xmlns="">
                 <a:solidFill>
                   <a:srgbClr val="FFFFFF"/>
                 </a:solidFill>
               </a14:hiddenFill>
             </a:ext>
             <a:ext uri="{91240B29-F687-4F45-9708-019B960494DF}">
-              <a14:hiddenLine xmlns:a14="http://schemas.microsoft.com/office/drawing/2010/main" w="9525">
+              <a14:hiddenLine xmlns:a14="http://schemas.microsoft.com/office/drawing/2010/main" xmlns="" w="9525">
                 <a:solidFill>
                   <a:srgbClr val="000000"/>
                 </a:solidFill>
@@ -10806,7 +10630,7 @@
     </p:spTree>
     <p:extLst>
       <p:ext uri="{BB962C8B-B14F-4D97-AF65-F5344CB8AC3E}">
-        <p14:creationId xmlns:p14="http://schemas.microsoft.com/office/powerpoint/2010/main" val="1160171944"/>
+        <p14:creationId xmlns:p14="http://schemas.microsoft.com/office/powerpoint/2010/main" xmlns="" val="1160171944"/>
       </p:ext>
     </p:extLst>
   </p:cSld>
@@ -10907,28 +10731,6 @@
       </p:sp>
       <p:sp>
         <p:nvSpPr>
-          <p:cNvPr id="6" name="Date Placeholder 5"/>
-          <p:cNvSpPr>
-            <a:spLocks noGrp="1"/>
-          </p:cNvSpPr>
-          <p:nvPr>
-            <p:ph type="dt" sz="half" idx="2"/>
-          </p:nvPr>
-        </p:nvSpPr>
-        <p:spPr/>
-        <p:txBody>
-          <a:bodyPr/>
-          <a:lstStyle/>
-          <a:p>
-            <a:r>
-              <a:rPr lang="en-CA" dirty="0"/>
-              <a:t>Winter 2022</a:t>
-            </a:r>
-          </a:p>
-        </p:txBody>
-      </p:sp>
-      <p:sp>
-        <p:nvSpPr>
           <p:cNvPr id="10" name="Footer Placeholder 9"/>
           <p:cNvSpPr>
             <a:spLocks noGrp="1"/>
@@ -10979,7 +10781,7 @@
     </p:spTree>
     <p:extLst>
       <p:ext uri="{BB962C8B-B14F-4D97-AF65-F5344CB8AC3E}">
-        <p14:creationId xmlns:p14="http://schemas.microsoft.com/office/powerpoint/2010/main" val="221184883"/>
+        <p14:creationId xmlns:p14="http://schemas.microsoft.com/office/powerpoint/2010/main" xmlns="" val="221184883"/>
       </p:ext>
     </p:extLst>
   </p:cSld>
@@ -11070,28 +10872,6 @@
       </p:sp>
       <p:sp>
         <p:nvSpPr>
-          <p:cNvPr id="6" name="Date Placeholder 5"/>
-          <p:cNvSpPr>
-            <a:spLocks noGrp="1"/>
-          </p:cNvSpPr>
-          <p:nvPr>
-            <p:ph type="dt" sz="half" idx="2"/>
-          </p:nvPr>
-        </p:nvSpPr>
-        <p:spPr/>
-        <p:txBody>
-          <a:bodyPr/>
-          <a:lstStyle/>
-          <a:p>
-            <a:r>
-              <a:rPr lang="en-CA" dirty="0"/>
-              <a:t>Winter 2022</a:t>
-            </a:r>
-          </a:p>
-        </p:txBody>
-      </p:sp>
-      <p:sp>
-        <p:nvSpPr>
           <p:cNvPr id="10" name="Footer Placeholder 9"/>
           <p:cNvSpPr>
             <a:spLocks noGrp="1"/>
@@ -11142,7 +10922,7 @@
     </p:spTree>
     <p:extLst>
       <p:ext uri="{BB962C8B-B14F-4D97-AF65-F5344CB8AC3E}">
-        <p14:creationId xmlns:p14="http://schemas.microsoft.com/office/powerpoint/2010/main" val="2066917908"/>
+        <p14:creationId xmlns:p14="http://schemas.microsoft.com/office/powerpoint/2010/main" xmlns="" val="2066917908"/>
       </p:ext>
     </p:extLst>
   </p:cSld>
@@ -11232,28 +11012,6 @@
       </p:sp>
       <p:sp>
         <p:nvSpPr>
-          <p:cNvPr id="6" name="Date Placeholder 5"/>
-          <p:cNvSpPr>
-            <a:spLocks noGrp="1"/>
-          </p:cNvSpPr>
-          <p:nvPr>
-            <p:ph type="dt" sz="half" idx="2"/>
-          </p:nvPr>
-        </p:nvSpPr>
-        <p:spPr/>
-        <p:txBody>
-          <a:bodyPr/>
-          <a:lstStyle/>
-          <a:p>
-            <a:r>
-              <a:rPr lang="en-CA" dirty="0"/>
-              <a:t>Winter 2022</a:t>
-            </a:r>
-          </a:p>
-        </p:txBody>
-      </p:sp>
-      <p:sp>
-        <p:nvSpPr>
           <p:cNvPr id="10" name="Footer Placeholder 9"/>
           <p:cNvSpPr>
             <a:spLocks noGrp="1"/>
@@ -11304,7 +11062,7 @@
     </p:spTree>
     <p:extLst>
       <p:ext uri="{BB962C8B-B14F-4D97-AF65-F5344CB8AC3E}">
-        <p14:creationId xmlns:p14="http://schemas.microsoft.com/office/powerpoint/2010/main" val="5545177"/>
+        <p14:creationId xmlns:p14="http://schemas.microsoft.com/office/powerpoint/2010/main" xmlns="" val="5545177"/>
       </p:ext>
     </p:extLst>
   </p:cSld>
@@ -11420,28 +11178,6 @@
       </p:sp>
       <p:sp>
         <p:nvSpPr>
-          <p:cNvPr id="6" name="Date Placeholder 5"/>
-          <p:cNvSpPr>
-            <a:spLocks noGrp="1"/>
-          </p:cNvSpPr>
-          <p:nvPr>
-            <p:ph type="dt" sz="half" idx="2"/>
-          </p:nvPr>
-        </p:nvSpPr>
-        <p:spPr/>
-        <p:txBody>
-          <a:bodyPr/>
-          <a:lstStyle/>
-          <a:p>
-            <a:r>
-              <a:rPr lang="en-CA" dirty="0"/>
-              <a:t>Winter 2022</a:t>
-            </a:r>
-          </a:p>
-        </p:txBody>
-      </p:sp>
-      <p:sp>
-        <p:nvSpPr>
           <p:cNvPr id="10" name="Footer Placeholder 9"/>
           <p:cNvSpPr>
             <a:spLocks noGrp="1"/>
@@ -11492,7 +11228,7 @@
     </p:spTree>
     <p:extLst>
       <p:ext uri="{BB962C8B-B14F-4D97-AF65-F5344CB8AC3E}">
-        <p14:creationId xmlns:p14="http://schemas.microsoft.com/office/powerpoint/2010/main" val="2256651896"/>
+        <p14:creationId xmlns:p14="http://schemas.microsoft.com/office/powerpoint/2010/main" xmlns="" val="2256651896"/>
       </p:ext>
     </p:extLst>
   </p:cSld>
@@ -11576,28 +11312,6 @@
       </p:sp>
       <p:sp>
         <p:nvSpPr>
-          <p:cNvPr id="6" name="Date Placeholder 5"/>
-          <p:cNvSpPr>
-            <a:spLocks noGrp="1"/>
-          </p:cNvSpPr>
-          <p:nvPr>
-            <p:ph type="dt" sz="half" idx="2"/>
-          </p:nvPr>
-        </p:nvSpPr>
-        <p:spPr/>
-        <p:txBody>
-          <a:bodyPr/>
-          <a:lstStyle/>
-          <a:p>
-            <a:r>
-              <a:rPr lang="en-CA" dirty="0"/>
-              <a:t>Winter 2022</a:t>
-            </a:r>
-          </a:p>
-        </p:txBody>
-      </p:sp>
-      <p:sp>
-        <p:nvSpPr>
           <p:cNvPr id="10" name="Footer Placeholder 9"/>
           <p:cNvSpPr>
             <a:spLocks noGrp="1"/>
@@ -11650,7 +11364,7 @@
           <p:cNvPr id="7" name="Picture 3">
             <a:extLst>
               <a:ext uri="{FF2B5EF4-FFF2-40B4-BE49-F238E27FC236}">
-                <a16:creationId xmlns:a16="http://schemas.microsoft.com/office/drawing/2014/main" id="{0475313F-9E07-47E0-98CC-FCCF6FC19B0F}"/>
+                <a16:creationId xmlns:a16="http://schemas.microsoft.com/office/drawing/2014/main" xmlns="" id="{0475313F-9E07-47E0-98CC-FCCF6FC19B0F}"/>
               </a:ext>
             </a:extLst>
           </p:cNvPr>
@@ -11663,7 +11377,7 @@
           <a:blip r:embed="rId2">
             <a:extLst>
               <a:ext uri="{28A0092B-C50C-407E-A947-70E740481C1C}">
-                <a14:useLocalDpi xmlns:a14="http://schemas.microsoft.com/office/drawing/2010/main" val="0"/>
+                <a14:useLocalDpi xmlns:a14="http://schemas.microsoft.com/office/drawing/2010/main" xmlns="" val="0"/>
               </a:ext>
             </a:extLst>
           </a:blip>
@@ -11687,14 +11401,14 @@
           <a:effectLst/>
           <a:extLst>
             <a:ext uri="{909E8E84-426E-40DD-AFC4-6F175D3DCCD1}">
-              <a14:hiddenFill xmlns:a14="http://schemas.microsoft.com/office/drawing/2010/main">
+              <a14:hiddenFill xmlns:a14="http://schemas.microsoft.com/office/drawing/2010/main" xmlns="">
                 <a:solidFill>
                   <a:schemeClr val="bg1"/>
                 </a:solidFill>
               </a14:hiddenFill>
             </a:ext>
             <a:ext uri="{91240B29-F687-4F45-9708-019B960494DF}">
-              <a14:hiddenLine xmlns:a14="http://schemas.microsoft.com/office/drawing/2010/main" w="12700">
+              <a14:hiddenLine xmlns:a14="http://schemas.microsoft.com/office/drawing/2010/main" xmlns="" w="12700">
                 <a:solidFill>
                   <a:schemeClr val="tx1"/>
                 </a:solidFill>
@@ -11704,7 +11418,7 @@
               </a14:hiddenLine>
             </a:ext>
             <a:ext uri="{AF507438-7753-43E0-B8FC-AC1667EBCBE1}">
-              <a14:hiddenEffects xmlns:a14="http://schemas.microsoft.com/office/drawing/2010/main">
+              <a14:hiddenEffects xmlns:a14="http://schemas.microsoft.com/office/drawing/2010/main" xmlns="">
                 <a:effectLst>
                   <a:outerShdw blurRad="63500" dist="38099" dir="2700000" algn="ctr" rotWithShape="0">
                     <a:schemeClr val="bg2">
@@ -11720,7 +11434,7 @@
     </p:spTree>
     <p:extLst>
       <p:ext uri="{BB962C8B-B14F-4D97-AF65-F5344CB8AC3E}">
-        <p14:creationId xmlns:p14="http://schemas.microsoft.com/office/powerpoint/2010/main" val="2198785222"/>
+        <p14:creationId xmlns:p14="http://schemas.microsoft.com/office/powerpoint/2010/main" xmlns="" val="2198785222"/>
       </p:ext>
     </p:extLst>
   </p:cSld>
@@ -11819,28 +11533,6 @@
       </p:sp>
       <p:sp>
         <p:nvSpPr>
-          <p:cNvPr id="6" name="Date Placeholder 5"/>
-          <p:cNvSpPr>
-            <a:spLocks noGrp="1"/>
-          </p:cNvSpPr>
-          <p:nvPr>
-            <p:ph type="dt" sz="half" idx="2"/>
-          </p:nvPr>
-        </p:nvSpPr>
-        <p:spPr/>
-        <p:txBody>
-          <a:bodyPr/>
-          <a:lstStyle/>
-          <a:p>
-            <a:r>
-              <a:rPr lang="en-CA" dirty="0"/>
-              <a:t>Winter 2022</a:t>
-            </a:r>
-          </a:p>
-        </p:txBody>
-      </p:sp>
-      <p:sp>
-        <p:nvSpPr>
           <p:cNvPr id="10" name="Footer Placeholder 9"/>
           <p:cNvSpPr>
             <a:spLocks noGrp="1"/>
@@ -11891,7 +11583,7 @@
     </p:spTree>
     <p:extLst>
       <p:ext uri="{BB962C8B-B14F-4D97-AF65-F5344CB8AC3E}">
-        <p14:creationId xmlns:p14="http://schemas.microsoft.com/office/powerpoint/2010/main" val="677137260"/>
+        <p14:creationId xmlns:p14="http://schemas.microsoft.com/office/powerpoint/2010/main" xmlns="" val="677137260"/>
       </p:ext>
     </p:extLst>
   </p:cSld>
@@ -12010,28 +11702,6 @@
       </p:sp>
       <p:sp>
         <p:nvSpPr>
-          <p:cNvPr id="6" name="Date Placeholder 5"/>
-          <p:cNvSpPr>
-            <a:spLocks noGrp="1"/>
-          </p:cNvSpPr>
-          <p:nvPr>
-            <p:ph type="dt" sz="half" idx="2"/>
-          </p:nvPr>
-        </p:nvSpPr>
-        <p:spPr/>
-        <p:txBody>
-          <a:bodyPr/>
-          <a:lstStyle/>
-          <a:p>
-            <a:r>
-              <a:rPr lang="en-CA" dirty="0"/>
-              <a:t>Winter 2022</a:t>
-            </a:r>
-          </a:p>
-        </p:txBody>
-      </p:sp>
-      <p:sp>
-        <p:nvSpPr>
           <p:cNvPr id="10" name="Footer Placeholder 9"/>
           <p:cNvSpPr>
             <a:spLocks noGrp="1"/>
@@ -12082,7 +11752,7 @@
     </p:spTree>
     <p:extLst>
       <p:ext uri="{BB962C8B-B14F-4D97-AF65-F5344CB8AC3E}">
-        <p14:creationId xmlns:p14="http://schemas.microsoft.com/office/powerpoint/2010/main" val="202686773"/>
+        <p14:creationId xmlns:p14="http://schemas.microsoft.com/office/powerpoint/2010/main" xmlns="" val="202686773"/>
       </p:ext>
     </p:extLst>
   </p:cSld>
@@ -12207,28 +11877,6 @@
       </p:sp>
       <p:sp>
         <p:nvSpPr>
-          <p:cNvPr id="6" name="Date Placeholder 5"/>
-          <p:cNvSpPr>
-            <a:spLocks noGrp="1"/>
-          </p:cNvSpPr>
-          <p:nvPr>
-            <p:ph type="dt" sz="half" idx="2"/>
-          </p:nvPr>
-        </p:nvSpPr>
-        <p:spPr/>
-        <p:txBody>
-          <a:bodyPr/>
-          <a:lstStyle/>
-          <a:p>
-            <a:r>
-              <a:rPr lang="en-CA" dirty="0"/>
-              <a:t>Winter 2022</a:t>
-            </a:r>
-          </a:p>
-        </p:txBody>
-      </p:sp>
-      <p:sp>
-        <p:nvSpPr>
           <p:cNvPr id="10" name="Footer Placeholder 9"/>
           <p:cNvSpPr>
             <a:spLocks noGrp="1"/>
@@ -12279,7 +11927,7 @@
     </p:spTree>
     <p:extLst>
       <p:ext uri="{BB962C8B-B14F-4D97-AF65-F5344CB8AC3E}">
-        <p14:creationId xmlns:p14="http://schemas.microsoft.com/office/powerpoint/2010/main" val="1490306992"/>
+        <p14:creationId xmlns:p14="http://schemas.microsoft.com/office/powerpoint/2010/main" xmlns="" val="1490306992"/>
       </p:ext>
     </p:extLst>
   </p:cSld>
@@ -12466,28 +12114,6 @@
       </p:sp>
       <p:sp>
         <p:nvSpPr>
-          <p:cNvPr id="6" name="Date Placeholder 5"/>
-          <p:cNvSpPr>
-            <a:spLocks noGrp="1"/>
-          </p:cNvSpPr>
-          <p:nvPr>
-            <p:ph type="dt" sz="half" idx="2"/>
-          </p:nvPr>
-        </p:nvSpPr>
-        <p:spPr/>
-        <p:txBody>
-          <a:bodyPr/>
-          <a:lstStyle/>
-          <a:p>
-            <a:r>
-              <a:rPr lang="en-CA" dirty="0"/>
-              <a:t>Winter 2022</a:t>
-            </a:r>
-          </a:p>
-        </p:txBody>
-      </p:sp>
-      <p:sp>
-        <p:nvSpPr>
           <p:cNvPr id="10" name="Footer Placeholder 9"/>
           <p:cNvSpPr>
             <a:spLocks noGrp="1"/>
@@ -12538,7 +12164,7 @@
     </p:spTree>
     <p:extLst>
       <p:ext uri="{BB962C8B-B14F-4D97-AF65-F5344CB8AC3E}">
-        <p14:creationId xmlns:p14="http://schemas.microsoft.com/office/powerpoint/2010/main" val="2609893494"/>
+        <p14:creationId xmlns:p14="http://schemas.microsoft.com/office/powerpoint/2010/main" xmlns="" val="2609893494"/>
       </p:ext>
     </p:extLst>
   </p:cSld>
@@ -12664,28 +12290,6 @@
       </p:sp>
       <p:sp>
         <p:nvSpPr>
-          <p:cNvPr id="6" name="Date Placeholder 5"/>
-          <p:cNvSpPr>
-            <a:spLocks noGrp="1"/>
-          </p:cNvSpPr>
-          <p:nvPr>
-            <p:ph type="dt" sz="half" idx="2"/>
-          </p:nvPr>
-        </p:nvSpPr>
-        <p:spPr/>
-        <p:txBody>
-          <a:bodyPr/>
-          <a:lstStyle/>
-          <a:p>
-            <a:r>
-              <a:rPr lang="en-CA" dirty="0"/>
-              <a:t>Winter 2022</a:t>
-            </a:r>
-          </a:p>
-        </p:txBody>
-      </p:sp>
-      <p:sp>
-        <p:nvSpPr>
           <p:cNvPr id="10" name="Footer Placeholder 9"/>
           <p:cNvSpPr>
             <a:spLocks noGrp="1"/>
@@ -12736,7 +12340,7 @@
     </p:spTree>
     <p:extLst>
       <p:ext uri="{BB962C8B-B14F-4D97-AF65-F5344CB8AC3E}">
-        <p14:creationId xmlns:p14="http://schemas.microsoft.com/office/powerpoint/2010/main" val="816485063"/>
+        <p14:creationId xmlns:p14="http://schemas.microsoft.com/office/powerpoint/2010/main" xmlns="" val="816485063"/>
       </p:ext>
     </p:extLst>
   </p:cSld>
@@ -12999,28 +12603,6 @@
       </p:sp>
       <p:sp>
         <p:nvSpPr>
-          <p:cNvPr id="6" name="Date Placeholder 5"/>
-          <p:cNvSpPr>
-            <a:spLocks noGrp="1"/>
-          </p:cNvSpPr>
-          <p:nvPr>
-            <p:ph type="dt" sz="half" idx="2"/>
-          </p:nvPr>
-        </p:nvSpPr>
-        <p:spPr/>
-        <p:txBody>
-          <a:bodyPr/>
-          <a:lstStyle/>
-          <a:p>
-            <a:r>
-              <a:rPr lang="en-CA" dirty="0"/>
-              <a:t>Winter 2022</a:t>
-            </a:r>
-          </a:p>
-        </p:txBody>
-      </p:sp>
-      <p:sp>
-        <p:nvSpPr>
           <p:cNvPr id="10" name="Footer Placeholder 9"/>
           <p:cNvSpPr>
             <a:spLocks noGrp="1"/>
@@ -13071,7 +12653,7 @@
     </p:spTree>
     <p:extLst>
       <p:ext uri="{BB962C8B-B14F-4D97-AF65-F5344CB8AC3E}">
-        <p14:creationId xmlns:p14="http://schemas.microsoft.com/office/powerpoint/2010/main" val="576910275"/>
+        <p14:creationId xmlns:p14="http://schemas.microsoft.com/office/powerpoint/2010/main" xmlns="" val="576910275"/>
       </p:ext>
     </p:extLst>
   </p:cSld>
@@ -13157,28 +12739,6 @@
       </p:sp>
       <p:sp>
         <p:nvSpPr>
-          <p:cNvPr id="6" name="Date Placeholder 5"/>
-          <p:cNvSpPr>
-            <a:spLocks noGrp="1"/>
-          </p:cNvSpPr>
-          <p:nvPr>
-            <p:ph type="dt" sz="half" idx="2"/>
-          </p:nvPr>
-        </p:nvSpPr>
-        <p:spPr/>
-        <p:txBody>
-          <a:bodyPr/>
-          <a:lstStyle/>
-          <a:p>
-            <a:r>
-              <a:rPr lang="en-CA" dirty="0"/>
-              <a:t>Winter 2022</a:t>
-            </a:r>
-          </a:p>
-        </p:txBody>
-      </p:sp>
-      <p:sp>
-        <p:nvSpPr>
           <p:cNvPr id="10" name="Footer Placeholder 9"/>
           <p:cNvSpPr>
             <a:spLocks noGrp="1"/>
@@ -13229,7 +12789,7 @@
     </p:spTree>
     <p:extLst>
       <p:ext uri="{BB962C8B-B14F-4D97-AF65-F5344CB8AC3E}">
-        <p14:creationId xmlns:p14="http://schemas.microsoft.com/office/powerpoint/2010/main" val="2357375762"/>
+        <p14:creationId xmlns:p14="http://schemas.microsoft.com/office/powerpoint/2010/main" xmlns="" val="2357375762"/>
       </p:ext>
     </p:extLst>
   </p:cSld>
@@ -13467,28 +13027,6 @@
       </p:sp>
       <p:sp>
         <p:nvSpPr>
-          <p:cNvPr id="6" name="Date Placeholder 5"/>
-          <p:cNvSpPr>
-            <a:spLocks noGrp="1"/>
-          </p:cNvSpPr>
-          <p:nvPr>
-            <p:ph type="dt" sz="half" idx="2"/>
-          </p:nvPr>
-        </p:nvSpPr>
-        <p:spPr/>
-        <p:txBody>
-          <a:bodyPr/>
-          <a:lstStyle/>
-          <a:p>
-            <a:r>
-              <a:rPr lang="en-CA" dirty="0"/>
-              <a:t>Winter 2022</a:t>
-            </a:r>
-          </a:p>
-        </p:txBody>
-      </p:sp>
-      <p:sp>
-        <p:nvSpPr>
           <p:cNvPr id="10" name="Footer Placeholder 9"/>
           <p:cNvSpPr>
             <a:spLocks noGrp="1"/>
@@ -13539,7 +13077,7 @@
     </p:spTree>
     <p:extLst>
       <p:ext uri="{BB962C8B-B14F-4D97-AF65-F5344CB8AC3E}">
-        <p14:creationId xmlns:p14="http://schemas.microsoft.com/office/powerpoint/2010/main" val="2478735734"/>
+        <p14:creationId xmlns:p14="http://schemas.microsoft.com/office/powerpoint/2010/main" xmlns="" val="2478735734"/>
       </p:ext>
     </p:extLst>
   </p:cSld>
@@ -13644,28 +13182,6 @@
       </p:sp>
       <p:sp>
         <p:nvSpPr>
-          <p:cNvPr id="6" name="Date Placeholder 5"/>
-          <p:cNvSpPr>
-            <a:spLocks noGrp="1"/>
-          </p:cNvSpPr>
-          <p:nvPr>
-            <p:ph type="dt" sz="half" idx="2"/>
-          </p:nvPr>
-        </p:nvSpPr>
-        <p:spPr/>
-        <p:txBody>
-          <a:bodyPr/>
-          <a:lstStyle/>
-          <a:p>
-            <a:r>
-              <a:rPr lang="en-CA" dirty="0"/>
-              <a:t>Winter 2022</a:t>
-            </a:r>
-          </a:p>
-        </p:txBody>
-      </p:sp>
-      <p:sp>
-        <p:nvSpPr>
           <p:cNvPr id="10" name="Footer Placeholder 9"/>
           <p:cNvSpPr>
             <a:spLocks noGrp="1"/>
@@ -13716,7 +13232,7 @@
     </p:spTree>
     <p:extLst>
       <p:ext uri="{BB962C8B-B14F-4D97-AF65-F5344CB8AC3E}">
-        <p14:creationId xmlns:p14="http://schemas.microsoft.com/office/powerpoint/2010/main" val="1187175125"/>
+        <p14:creationId xmlns:p14="http://schemas.microsoft.com/office/powerpoint/2010/main" xmlns="" val="1187175125"/>
       </p:ext>
     </p:extLst>
   </p:cSld>
@@ -13850,28 +13366,6 @@
       </p:sp>
       <p:sp>
         <p:nvSpPr>
-          <p:cNvPr id="6" name="Date Placeholder 5"/>
-          <p:cNvSpPr>
-            <a:spLocks noGrp="1"/>
-          </p:cNvSpPr>
-          <p:nvPr>
-            <p:ph type="dt" sz="half" idx="2"/>
-          </p:nvPr>
-        </p:nvSpPr>
-        <p:spPr/>
-        <p:txBody>
-          <a:bodyPr/>
-          <a:lstStyle/>
-          <a:p>
-            <a:r>
-              <a:rPr lang="en-CA" dirty="0"/>
-              <a:t>Winter 2022</a:t>
-            </a:r>
-          </a:p>
-        </p:txBody>
-      </p:sp>
-      <p:sp>
-        <p:nvSpPr>
           <p:cNvPr id="10" name="Footer Placeholder 9"/>
           <p:cNvSpPr>
             <a:spLocks noGrp="1"/>
@@ -13924,7 +13418,7 @@
           <p:cNvPr id="7" name="Picture 4">
             <a:extLst>
               <a:ext uri="{FF2B5EF4-FFF2-40B4-BE49-F238E27FC236}">
-                <a16:creationId xmlns:a16="http://schemas.microsoft.com/office/drawing/2014/main" id="{A8823BDA-EBC5-4BE3-A193-97ACC8B7E2BE}"/>
+                <a16:creationId xmlns:a16="http://schemas.microsoft.com/office/drawing/2014/main" xmlns="" id="{A8823BDA-EBC5-4BE3-A193-97ACC8B7E2BE}"/>
               </a:ext>
             </a:extLst>
           </p:cNvPr>
@@ -13937,7 +13431,7 @@
           <a:blip r:embed="rId2">
             <a:extLst>
               <a:ext uri="{28A0092B-C50C-407E-A947-70E740481C1C}">
-                <a14:useLocalDpi xmlns:a14="http://schemas.microsoft.com/office/drawing/2010/main" val="0"/>
+                <a14:useLocalDpi xmlns:a14="http://schemas.microsoft.com/office/drawing/2010/main" xmlns="" val="0"/>
               </a:ext>
             </a:extLst>
           </a:blip>
@@ -13961,14 +13455,14 @@
           <a:effectLst/>
           <a:extLst>
             <a:ext uri="{909E8E84-426E-40DD-AFC4-6F175D3DCCD1}">
-              <a14:hiddenFill xmlns:a14="http://schemas.microsoft.com/office/drawing/2010/main">
+              <a14:hiddenFill xmlns:a14="http://schemas.microsoft.com/office/drawing/2010/main" xmlns="">
                 <a:solidFill>
                   <a:schemeClr val="accent1"/>
                 </a:solidFill>
               </a14:hiddenFill>
             </a:ext>
             <a:ext uri="{91240B29-F687-4F45-9708-019B960494DF}">
-              <a14:hiddenLine xmlns:a14="http://schemas.microsoft.com/office/drawing/2010/main" w="9525">
+              <a14:hiddenLine xmlns:a14="http://schemas.microsoft.com/office/drawing/2010/main" xmlns="" w="9525">
                 <a:solidFill>
                   <a:schemeClr val="tx1"/>
                 </a:solidFill>
@@ -13978,7 +13472,7 @@
               </a14:hiddenLine>
             </a:ext>
             <a:ext uri="{AF507438-7753-43E0-B8FC-AC1667EBCBE1}">
-              <a14:hiddenEffects xmlns:a14="http://schemas.microsoft.com/office/drawing/2010/main">
+              <a14:hiddenEffects xmlns:a14="http://schemas.microsoft.com/office/drawing/2010/main" xmlns="">
                 <a:effectLst>
                   <a:outerShdw blurRad="63500" dist="38099" dir="2700000" algn="ctr" rotWithShape="0">
                     <a:schemeClr val="bg2">
@@ -13994,7 +13488,7 @@
     </p:spTree>
     <p:extLst>
       <p:ext uri="{BB962C8B-B14F-4D97-AF65-F5344CB8AC3E}">
-        <p14:creationId xmlns:p14="http://schemas.microsoft.com/office/powerpoint/2010/main" val="1719022256"/>
+        <p14:creationId xmlns:p14="http://schemas.microsoft.com/office/powerpoint/2010/main" xmlns="" val="1719022256"/>
       </p:ext>
     </p:extLst>
   </p:cSld>
@@ -14138,28 +13632,6 @@
       </p:sp>
       <p:sp>
         <p:nvSpPr>
-          <p:cNvPr id="6" name="Date Placeholder 5"/>
-          <p:cNvSpPr>
-            <a:spLocks noGrp="1"/>
-          </p:cNvSpPr>
-          <p:nvPr>
-            <p:ph type="dt" sz="half" idx="2"/>
-          </p:nvPr>
-        </p:nvSpPr>
-        <p:spPr/>
-        <p:txBody>
-          <a:bodyPr/>
-          <a:lstStyle/>
-          <a:p>
-            <a:r>
-              <a:rPr lang="en-CA" dirty="0"/>
-              <a:t>Winter 2022</a:t>
-            </a:r>
-          </a:p>
-        </p:txBody>
-      </p:sp>
-      <p:sp>
-        <p:nvSpPr>
           <p:cNvPr id="10" name="Footer Placeholder 9"/>
           <p:cNvSpPr>
             <a:spLocks noGrp="1"/>
@@ -14210,7 +13682,7 @@
     </p:spTree>
     <p:extLst>
       <p:ext uri="{BB962C8B-B14F-4D97-AF65-F5344CB8AC3E}">
-        <p14:creationId xmlns:p14="http://schemas.microsoft.com/office/powerpoint/2010/main" val="4202837589"/>
+        <p14:creationId xmlns:p14="http://schemas.microsoft.com/office/powerpoint/2010/main" xmlns="" val="4202837589"/>
       </p:ext>
     </p:extLst>
   </p:cSld>
@@ -14317,28 +13789,6 @@
       </p:sp>
       <p:sp>
         <p:nvSpPr>
-          <p:cNvPr id="6" name="Date Placeholder 5"/>
-          <p:cNvSpPr>
-            <a:spLocks noGrp="1"/>
-          </p:cNvSpPr>
-          <p:nvPr>
-            <p:ph type="dt" sz="half" idx="2"/>
-          </p:nvPr>
-        </p:nvSpPr>
-        <p:spPr/>
-        <p:txBody>
-          <a:bodyPr/>
-          <a:lstStyle/>
-          <a:p>
-            <a:r>
-              <a:rPr lang="en-CA" dirty="0"/>
-              <a:t>Winter 2022</a:t>
-            </a:r>
-          </a:p>
-        </p:txBody>
-      </p:sp>
-      <p:sp>
-        <p:nvSpPr>
           <p:cNvPr id="10" name="Footer Placeholder 9"/>
           <p:cNvSpPr>
             <a:spLocks noGrp="1"/>
@@ -14389,7 +13839,7 @@
     </p:spTree>
     <p:extLst>
       <p:ext uri="{BB962C8B-B14F-4D97-AF65-F5344CB8AC3E}">
-        <p14:creationId xmlns:p14="http://schemas.microsoft.com/office/powerpoint/2010/main" val="2361005017"/>
+        <p14:creationId xmlns:p14="http://schemas.microsoft.com/office/powerpoint/2010/main" xmlns="" val="2361005017"/>
       </p:ext>
     </p:extLst>
   </p:cSld>
@@ -14745,28 +14195,6 @@
       </p:sp>
       <p:sp>
         <p:nvSpPr>
-          <p:cNvPr id="6" name="Date Placeholder 5"/>
-          <p:cNvSpPr>
-            <a:spLocks noGrp="1"/>
-          </p:cNvSpPr>
-          <p:nvPr>
-            <p:ph type="dt" sz="half" idx="2"/>
-          </p:nvPr>
-        </p:nvSpPr>
-        <p:spPr/>
-        <p:txBody>
-          <a:bodyPr/>
-          <a:lstStyle/>
-          <a:p>
-            <a:r>
-              <a:rPr lang="en-CA" dirty="0"/>
-              <a:t>Winter 2022</a:t>
-            </a:r>
-          </a:p>
-        </p:txBody>
-      </p:sp>
-      <p:sp>
-        <p:nvSpPr>
           <p:cNvPr id="10" name="Footer Placeholder 9"/>
           <p:cNvSpPr>
             <a:spLocks noGrp="1"/>
@@ -14817,7 +14245,7 @@
     </p:spTree>
     <p:extLst>
       <p:ext uri="{BB962C8B-B14F-4D97-AF65-F5344CB8AC3E}">
-        <p14:creationId xmlns:p14="http://schemas.microsoft.com/office/powerpoint/2010/main" val="314734182"/>
+        <p14:creationId xmlns:p14="http://schemas.microsoft.com/office/powerpoint/2010/main" xmlns="" val="314734182"/>
       </p:ext>
     </p:extLst>
   </p:cSld>
@@ -14953,28 +14381,6 @@
       </p:sp>
       <p:sp>
         <p:nvSpPr>
-          <p:cNvPr id="6" name="Date Placeholder 5"/>
-          <p:cNvSpPr>
-            <a:spLocks noGrp="1"/>
-          </p:cNvSpPr>
-          <p:nvPr>
-            <p:ph type="dt" sz="half" idx="2"/>
-          </p:nvPr>
-        </p:nvSpPr>
-        <p:spPr/>
-        <p:txBody>
-          <a:bodyPr/>
-          <a:lstStyle/>
-          <a:p>
-            <a:r>
-              <a:rPr lang="en-CA" dirty="0"/>
-              <a:t>Winter 2022</a:t>
-            </a:r>
-          </a:p>
-        </p:txBody>
-      </p:sp>
-      <p:sp>
-        <p:nvSpPr>
           <p:cNvPr id="10" name="Footer Placeholder 9"/>
           <p:cNvSpPr>
             <a:spLocks noGrp="1"/>
@@ -15025,7 +14431,7 @@
     </p:spTree>
     <p:extLst>
       <p:ext uri="{BB962C8B-B14F-4D97-AF65-F5344CB8AC3E}">
-        <p14:creationId xmlns:p14="http://schemas.microsoft.com/office/powerpoint/2010/main" val="3430305953"/>
+        <p14:creationId xmlns:p14="http://schemas.microsoft.com/office/powerpoint/2010/main" xmlns="" val="3430305953"/>
       </p:ext>
     </p:extLst>
   </p:cSld>
@@ -15184,28 +14590,6 @@
       </p:sp>
       <p:sp>
         <p:nvSpPr>
-          <p:cNvPr id="6" name="Date Placeholder 5"/>
-          <p:cNvSpPr>
-            <a:spLocks noGrp="1"/>
-          </p:cNvSpPr>
-          <p:nvPr>
-            <p:ph type="dt" sz="half" idx="2"/>
-          </p:nvPr>
-        </p:nvSpPr>
-        <p:spPr/>
-        <p:txBody>
-          <a:bodyPr/>
-          <a:lstStyle/>
-          <a:p>
-            <a:r>
-              <a:rPr lang="en-CA" dirty="0"/>
-              <a:t>Winter 2022</a:t>
-            </a:r>
-          </a:p>
-        </p:txBody>
-      </p:sp>
-      <p:sp>
-        <p:nvSpPr>
           <p:cNvPr id="10" name="Footer Placeholder 9"/>
           <p:cNvSpPr>
             <a:spLocks noGrp="1"/>
@@ -15256,7 +14640,7 @@
     </p:spTree>
     <p:extLst>
       <p:ext uri="{BB962C8B-B14F-4D97-AF65-F5344CB8AC3E}">
-        <p14:creationId xmlns:p14="http://schemas.microsoft.com/office/powerpoint/2010/main" val="3300086517"/>
+        <p14:creationId xmlns:p14="http://schemas.microsoft.com/office/powerpoint/2010/main" xmlns="" val="3300086517"/>
       </p:ext>
     </p:extLst>
   </p:cSld>
@@ -15401,28 +14785,6 @@
       </p:sp>
       <p:sp>
         <p:nvSpPr>
-          <p:cNvPr id="6" name="Date Placeholder 5"/>
-          <p:cNvSpPr>
-            <a:spLocks noGrp="1"/>
-          </p:cNvSpPr>
-          <p:nvPr>
-            <p:ph type="dt" sz="half" idx="2"/>
-          </p:nvPr>
-        </p:nvSpPr>
-        <p:spPr/>
-        <p:txBody>
-          <a:bodyPr/>
-          <a:lstStyle/>
-          <a:p>
-            <a:r>
-              <a:rPr lang="en-CA" dirty="0"/>
-              <a:t>Winter 2022</a:t>
-            </a:r>
-          </a:p>
-        </p:txBody>
-      </p:sp>
-      <p:sp>
-        <p:nvSpPr>
           <p:cNvPr id="10" name="Footer Placeholder 9"/>
           <p:cNvSpPr>
             <a:spLocks noGrp="1"/>
@@ -15473,7 +14835,7 @@
     </p:spTree>
     <p:extLst>
       <p:ext uri="{BB962C8B-B14F-4D97-AF65-F5344CB8AC3E}">
-        <p14:creationId xmlns:p14="http://schemas.microsoft.com/office/powerpoint/2010/main" val="920751980"/>
+        <p14:creationId xmlns:p14="http://schemas.microsoft.com/office/powerpoint/2010/main" xmlns="" val="920751980"/>
       </p:ext>
     </p:extLst>
   </p:cSld>
@@ -15599,28 +14961,6 @@
       </p:sp>
       <p:sp>
         <p:nvSpPr>
-          <p:cNvPr id="6" name="Date Placeholder 5"/>
-          <p:cNvSpPr>
-            <a:spLocks noGrp="1"/>
-          </p:cNvSpPr>
-          <p:nvPr>
-            <p:ph type="dt" sz="half" idx="2"/>
-          </p:nvPr>
-        </p:nvSpPr>
-        <p:spPr/>
-        <p:txBody>
-          <a:bodyPr/>
-          <a:lstStyle/>
-          <a:p>
-            <a:r>
-              <a:rPr lang="en-CA" dirty="0"/>
-              <a:t>Winter 2022</a:t>
-            </a:r>
-          </a:p>
-        </p:txBody>
-      </p:sp>
-      <p:sp>
-        <p:nvSpPr>
           <p:cNvPr id="10" name="Footer Placeholder 9"/>
           <p:cNvSpPr>
             <a:spLocks noGrp="1"/>
@@ -15673,7 +15013,7 @@
           <p:cNvPr id="7" name="AutoShape 5">
             <a:extLst>
               <a:ext uri="{FF2B5EF4-FFF2-40B4-BE49-F238E27FC236}">
-                <a16:creationId xmlns:a16="http://schemas.microsoft.com/office/drawing/2014/main" id="{462D63BB-D44E-4578-A69A-8569D36FB65A}"/>
+                <a16:creationId xmlns:a16="http://schemas.microsoft.com/office/drawing/2014/main" xmlns="" id="{462D63BB-D44E-4578-A69A-8569D36FB65A}"/>
               </a:ext>
             </a:extLst>
           </p:cNvPr>
@@ -15910,7 +15250,7 @@
           <p:cNvPr id="8" name="Line 6">
             <a:extLst>
               <a:ext uri="{FF2B5EF4-FFF2-40B4-BE49-F238E27FC236}">
-                <a16:creationId xmlns:a16="http://schemas.microsoft.com/office/drawing/2014/main" id="{FE552F06-B6B9-43A6-91A8-F67A09CBDD48}"/>
+                <a16:creationId xmlns:a16="http://schemas.microsoft.com/office/drawing/2014/main" xmlns="" id="{FE552F06-B6B9-43A6-91A8-F67A09CBDD48}"/>
               </a:ext>
             </a:extLst>
           </p:cNvPr>
@@ -15938,7 +15278,7 @@
           </a:ln>
           <a:extLst>
             <a:ext uri="{909E8E84-426E-40DD-AFC4-6F175D3DCCD1}">
-              <a14:hiddenFill xmlns:a14="http://schemas.microsoft.com/office/drawing/2010/main">
+              <a14:hiddenFill xmlns:a14="http://schemas.microsoft.com/office/drawing/2010/main" xmlns="">
                 <a:noFill/>
               </a14:hiddenFill>
             </a:ext>
@@ -15957,7 +15297,7 @@
           <p:cNvPr id="9" name="AutoShape 7">
             <a:extLst>
               <a:ext uri="{FF2B5EF4-FFF2-40B4-BE49-F238E27FC236}">
-                <a16:creationId xmlns:a16="http://schemas.microsoft.com/office/drawing/2014/main" id="{D93EC6EF-9446-42DB-9FAD-0D31770A5611}"/>
+                <a16:creationId xmlns:a16="http://schemas.microsoft.com/office/drawing/2014/main" xmlns="" id="{D93EC6EF-9446-42DB-9FAD-0D31770A5611}"/>
               </a:ext>
             </a:extLst>
           </p:cNvPr>
@@ -16197,7 +15537,7 @@
           <p:cNvPr id="11" name="Text Box 8">
             <a:extLst>
               <a:ext uri="{FF2B5EF4-FFF2-40B4-BE49-F238E27FC236}">
-                <a16:creationId xmlns:a16="http://schemas.microsoft.com/office/drawing/2014/main" id="{C6FBC956-5F42-48E0-AAFE-58E1C11E35ED}"/>
+                <a16:creationId xmlns:a16="http://schemas.microsoft.com/office/drawing/2014/main" xmlns="" id="{C6FBC956-5F42-48E0-AAFE-58E1C11E35ED}"/>
               </a:ext>
             </a:extLst>
           </p:cNvPr>
@@ -16220,14 +15560,14 @@
           </a:ln>
           <a:extLst>
             <a:ext uri="{909E8E84-426E-40DD-AFC4-6F175D3DCCD1}">
-              <a14:hiddenFill xmlns:a14="http://schemas.microsoft.com/office/drawing/2010/main">
+              <a14:hiddenFill xmlns:a14="http://schemas.microsoft.com/office/drawing/2010/main" xmlns="">
                 <a:solidFill>
                   <a:srgbClr val="FFFFFF"/>
                 </a:solidFill>
               </a14:hiddenFill>
             </a:ext>
             <a:ext uri="{91240B29-F687-4F45-9708-019B960494DF}">
-              <a14:hiddenLine xmlns:a14="http://schemas.microsoft.com/office/drawing/2010/main" w="9525">
+              <a14:hiddenLine xmlns:a14="http://schemas.microsoft.com/office/drawing/2010/main" xmlns="" w="9525">
                 <a:solidFill>
                   <a:srgbClr val="000000"/>
                 </a:solidFill>
@@ -16390,7 +15730,7 @@
           <p:cNvPr id="13" name="Text Box 9">
             <a:extLst>
               <a:ext uri="{FF2B5EF4-FFF2-40B4-BE49-F238E27FC236}">
-                <a16:creationId xmlns:a16="http://schemas.microsoft.com/office/drawing/2014/main" id="{45EB3E87-C528-46E8-9EAF-044E13AE1A79}"/>
+                <a16:creationId xmlns:a16="http://schemas.microsoft.com/office/drawing/2014/main" xmlns="" id="{45EB3E87-C528-46E8-9EAF-044E13AE1A79}"/>
               </a:ext>
             </a:extLst>
           </p:cNvPr>
@@ -16413,14 +15753,14 @@
           </a:ln>
           <a:extLst>
             <a:ext uri="{909E8E84-426E-40DD-AFC4-6F175D3DCCD1}">
-              <a14:hiddenFill xmlns:a14="http://schemas.microsoft.com/office/drawing/2010/main">
+              <a14:hiddenFill xmlns:a14="http://schemas.microsoft.com/office/drawing/2010/main" xmlns="">
                 <a:solidFill>
                   <a:srgbClr val="FFFFFF"/>
                 </a:solidFill>
               </a14:hiddenFill>
             </a:ext>
             <a:ext uri="{91240B29-F687-4F45-9708-019B960494DF}">
-              <a14:hiddenLine xmlns:a14="http://schemas.microsoft.com/office/drawing/2010/main" w="9525">
+              <a14:hiddenLine xmlns:a14="http://schemas.microsoft.com/office/drawing/2010/main" xmlns="" w="9525">
                 <a:solidFill>
                   <a:srgbClr val="000000"/>
                 </a:solidFill>
@@ -16581,7 +15921,7 @@
     </p:spTree>
     <p:extLst>
       <p:ext uri="{BB962C8B-B14F-4D97-AF65-F5344CB8AC3E}">
-        <p14:creationId xmlns:p14="http://schemas.microsoft.com/office/powerpoint/2010/main" val="3590587903"/>
+        <p14:creationId xmlns:p14="http://schemas.microsoft.com/office/powerpoint/2010/main" xmlns="" val="3590587903"/>
       </p:ext>
     </p:extLst>
   </p:cSld>
@@ -16679,28 +16019,6 @@
       </p:sp>
       <p:sp>
         <p:nvSpPr>
-          <p:cNvPr id="6" name="Date Placeholder 5"/>
-          <p:cNvSpPr>
-            <a:spLocks noGrp="1"/>
-          </p:cNvSpPr>
-          <p:nvPr>
-            <p:ph type="dt" sz="half" idx="2"/>
-          </p:nvPr>
-        </p:nvSpPr>
-        <p:spPr/>
-        <p:txBody>
-          <a:bodyPr/>
-          <a:lstStyle/>
-          <a:p>
-            <a:r>
-              <a:rPr lang="en-CA" dirty="0"/>
-              <a:t>Winter 2022</a:t>
-            </a:r>
-          </a:p>
-        </p:txBody>
-      </p:sp>
-      <p:sp>
-        <p:nvSpPr>
           <p:cNvPr id="10" name="Footer Placeholder 9"/>
           <p:cNvSpPr>
             <a:spLocks noGrp="1"/>
@@ -16753,7 +16071,7 @@
           <p:cNvPr id="7" name="AutoShape 4">
             <a:extLst>
               <a:ext uri="{FF2B5EF4-FFF2-40B4-BE49-F238E27FC236}">
-                <a16:creationId xmlns:a16="http://schemas.microsoft.com/office/drawing/2014/main" id="{3536F5CA-99DF-4F32-BA74-B63F844EE6D4}"/>
+                <a16:creationId xmlns:a16="http://schemas.microsoft.com/office/drawing/2014/main" xmlns="" id="{3536F5CA-99DF-4F32-BA74-B63F844EE6D4}"/>
               </a:ext>
             </a:extLst>
           </p:cNvPr>
@@ -16990,7 +16308,7 @@
           <p:cNvPr id="8" name="Line 5">
             <a:extLst>
               <a:ext uri="{FF2B5EF4-FFF2-40B4-BE49-F238E27FC236}">
-                <a16:creationId xmlns:a16="http://schemas.microsoft.com/office/drawing/2014/main" id="{6B675B69-0B29-48DE-A71E-FA58DD3D46E7}"/>
+                <a16:creationId xmlns:a16="http://schemas.microsoft.com/office/drawing/2014/main" xmlns="" id="{6B675B69-0B29-48DE-A71E-FA58DD3D46E7}"/>
               </a:ext>
             </a:extLst>
           </p:cNvPr>
@@ -17018,7 +16336,7 @@
           </a:ln>
           <a:extLst>
             <a:ext uri="{909E8E84-426E-40DD-AFC4-6F175D3DCCD1}">
-              <a14:hiddenFill xmlns:a14="http://schemas.microsoft.com/office/drawing/2010/main">
+              <a14:hiddenFill xmlns:a14="http://schemas.microsoft.com/office/drawing/2010/main" xmlns="">
                 <a:noFill/>
               </a14:hiddenFill>
             </a:ext>
@@ -17037,7 +16355,7 @@
           <p:cNvPr id="9" name="AutoShape 6">
             <a:extLst>
               <a:ext uri="{FF2B5EF4-FFF2-40B4-BE49-F238E27FC236}">
-                <a16:creationId xmlns:a16="http://schemas.microsoft.com/office/drawing/2014/main" id="{80D8F817-4902-470B-BACE-B92C78B448E6}"/>
+                <a16:creationId xmlns:a16="http://schemas.microsoft.com/office/drawing/2014/main" xmlns="" id="{80D8F817-4902-470B-BACE-B92C78B448E6}"/>
               </a:ext>
             </a:extLst>
           </p:cNvPr>
@@ -17277,7 +16595,7 @@
           <p:cNvPr id="11" name="Oval 7">
             <a:extLst>
               <a:ext uri="{FF2B5EF4-FFF2-40B4-BE49-F238E27FC236}">
-                <a16:creationId xmlns:a16="http://schemas.microsoft.com/office/drawing/2014/main" id="{719E2EC9-3164-4E95-AD4E-436D3A4F9B48}"/>
+                <a16:creationId xmlns:a16="http://schemas.microsoft.com/office/drawing/2014/main" xmlns="" id="{719E2EC9-3164-4E95-AD4E-436D3A4F9B48}"/>
               </a:ext>
             </a:extLst>
           </p:cNvPr>
@@ -17508,7 +16826,7 @@
           <p:cNvPr id="13" name="Oval 8">
             <a:extLst>
               <a:ext uri="{FF2B5EF4-FFF2-40B4-BE49-F238E27FC236}">
-                <a16:creationId xmlns:a16="http://schemas.microsoft.com/office/drawing/2014/main" id="{648872B4-33B5-4777-AA4C-1F5A6FD53701}"/>
+                <a16:creationId xmlns:a16="http://schemas.microsoft.com/office/drawing/2014/main" xmlns="" id="{648872B4-33B5-4777-AA4C-1F5A6FD53701}"/>
               </a:ext>
             </a:extLst>
           </p:cNvPr>
@@ -17799,7 +17117,7 @@
           <p:cNvPr id="14" name="Text Box 9">
             <a:extLst>
               <a:ext uri="{FF2B5EF4-FFF2-40B4-BE49-F238E27FC236}">
-                <a16:creationId xmlns:a16="http://schemas.microsoft.com/office/drawing/2014/main" id="{18FD1E5A-04AD-4533-A5DB-4C7C375F7944}"/>
+                <a16:creationId xmlns:a16="http://schemas.microsoft.com/office/drawing/2014/main" xmlns="" id="{18FD1E5A-04AD-4533-A5DB-4C7C375F7944}"/>
               </a:ext>
             </a:extLst>
           </p:cNvPr>
@@ -17822,14 +17140,14 @@
           </a:ln>
           <a:extLst>
             <a:ext uri="{909E8E84-426E-40DD-AFC4-6F175D3DCCD1}">
-              <a14:hiddenFill xmlns:a14="http://schemas.microsoft.com/office/drawing/2010/main">
+              <a14:hiddenFill xmlns:a14="http://schemas.microsoft.com/office/drawing/2010/main" xmlns="">
                 <a:solidFill>
                   <a:srgbClr val="FFFFFF"/>
                 </a:solidFill>
               </a14:hiddenFill>
             </a:ext>
             <a:ext uri="{91240B29-F687-4F45-9708-019B960494DF}">
-              <a14:hiddenLine xmlns:a14="http://schemas.microsoft.com/office/drawing/2010/main" w="9525">
+              <a14:hiddenLine xmlns:a14="http://schemas.microsoft.com/office/drawing/2010/main" xmlns="" w="9525">
                 <a:solidFill>
                   <a:srgbClr val="000000"/>
                 </a:solidFill>
@@ -17990,7 +17308,7 @@
     </p:spTree>
     <p:extLst>
       <p:ext uri="{BB962C8B-B14F-4D97-AF65-F5344CB8AC3E}">
-        <p14:creationId xmlns:p14="http://schemas.microsoft.com/office/powerpoint/2010/main" val="2721899742"/>
+        <p14:creationId xmlns:p14="http://schemas.microsoft.com/office/powerpoint/2010/main" xmlns="" val="2721899742"/>
       </p:ext>
     </p:extLst>
   </p:cSld>
@@ -18080,28 +17398,6 @@
       </p:sp>
       <p:sp>
         <p:nvSpPr>
-          <p:cNvPr id="6" name="Date Placeholder 5"/>
-          <p:cNvSpPr>
-            <a:spLocks noGrp="1"/>
-          </p:cNvSpPr>
-          <p:nvPr>
-            <p:ph type="dt" sz="half" idx="2"/>
-          </p:nvPr>
-        </p:nvSpPr>
-        <p:spPr/>
-        <p:txBody>
-          <a:bodyPr/>
-          <a:lstStyle/>
-          <a:p>
-            <a:r>
-              <a:rPr lang="en-CA" dirty="0"/>
-              <a:t>Winter 2022</a:t>
-            </a:r>
-          </a:p>
-        </p:txBody>
-      </p:sp>
-      <p:sp>
-        <p:nvSpPr>
           <p:cNvPr id="10" name="Footer Placeholder 9"/>
           <p:cNvSpPr>
             <a:spLocks noGrp="1"/>
@@ -18154,7 +17450,7 @@
           <p:cNvPr id="7" name="AutoShape 4">
             <a:extLst>
               <a:ext uri="{FF2B5EF4-FFF2-40B4-BE49-F238E27FC236}">
-                <a16:creationId xmlns:a16="http://schemas.microsoft.com/office/drawing/2014/main" id="{31F95FDC-EBA9-49D6-90A7-52AA9E49DF53}"/>
+                <a16:creationId xmlns:a16="http://schemas.microsoft.com/office/drawing/2014/main" xmlns="" id="{31F95FDC-EBA9-49D6-90A7-52AA9E49DF53}"/>
               </a:ext>
             </a:extLst>
           </p:cNvPr>
@@ -18391,7 +17687,7 @@
           <p:cNvPr id="8" name="Line 5">
             <a:extLst>
               <a:ext uri="{FF2B5EF4-FFF2-40B4-BE49-F238E27FC236}">
-                <a16:creationId xmlns:a16="http://schemas.microsoft.com/office/drawing/2014/main" id="{AAEA41CD-AF5F-4545-B232-E6157DF4225F}"/>
+                <a16:creationId xmlns:a16="http://schemas.microsoft.com/office/drawing/2014/main" xmlns="" id="{AAEA41CD-AF5F-4545-B232-E6157DF4225F}"/>
               </a:ext>
             </a:extLst>
           </p:cNvPr>
@@ -18419,7 +17715,7 @@
           </a:ln>
           <a:extLst>
             <a:ext uri="{909E8E84-426E-40DD-AFC4-6F175D3DCCD1}">
-              <a14:hiddenFill xmlns:a14="http://schemas.microsoft.com/office/drawing/2010/main">
+              <a14:hiddenFill xmlns:a14="http://schemas.microsoft.com/office/drawing/2010/main" xmlns="">
                 <a:noFill/>
               </a14:hiddenFill>
             </a:ext>
@@ -18438,7 +17734,7 @@
           <p:cNvPr id="9" name="AutoShape 6">
             <a:extLst>
               <a:ext uri="{FF2B5EF4-FFF2-40B4-BE49-F238E27FC236}">
-                <a16:creationId xmlns:a16="http://schemas.microsoft.com/office/drawing/2014/main" id="{1974E535-7EAF-4943-BF20-9A1EA78554DD}"/>
+                <a16:creationId xmlns:a16="http://schemas.microsoft.com/office/drawing/2014/main" xmlns="" id="{1974E535-7EAF-4943-BF20-9A1EA78554DD}"/>
               </a:ext>
             </a:extLst>
           </p:cNvPr>
@@ -18678,7 +17974,7 @@
           <p:cNvPr id="11" name="AutoShape 7">
             <a:extLst>
               <a:ext uri="{FF2B5EF4-FFF2-40B4-BE49-F238E27FC236}">
-                <a16:creationId xmlns:a16="http://schemas.microsoft.com/office/drawing/2014/main" id="{967BBC33-44D5-4511-8CC5-26DF3040B552}"/>
+                <a16:creationId xmlns:a16="http://schemas.microsoft.com/office/drawing/2014/main" xmlns="" id="{967BBC33-44D5-4511-8CC5-26DF3040B552}"/>
               </a:ext>
             </a:extLst>
           </p:cNvPr>
@@ -18819,7 +18115,7 @@
           <p:cNvPr id="13" name="Text Box 8">
             <a:extLst>
               <a:ext uri="{FF2B5EF4-FFF2-40B4-BE49-F238E27FC236}">
-                <a16:creationId xmlns:a16="http://schemas.microsoft.com/office/drawing/2014/main" id="{F2C5DFEB-57E2-4DE2-9070-8A4379E125DF}"/>
+                <a16:creationId xmlns:a16="http://schemas.microsoft.com/office/drawing/2014/main" xmlns="" id="{F2C5DFEB-57E2-4DE2-9070-8A4379E125DF}"/>
               </a:ext>
             </a:extLst>
           </p:cNvPr>
@@ -18842,14 +18138,14 @@
           </a:ln>
           <a:extLst>
             <a:ext uri="{909E8E84-426E-40DD-AFC4-6F175D3DCCD1}">
-              <a14:hiddenFill xmlns:a14="http://schemas.microsoft.com/office/drawing/2010/main">
+              <a14:hiddenFill xmlns:a14="http://schemas.microsoft.com/office/drawing/2010/main" xmlns="">
                 <a:solidFill>
                   <a:srgbClr val="FFFFFF"/>
                 </a:solidFill>
               </a14:hiddenFill>
             </a:ext>
             <a:ext uri="{91240B29-F687-4F45-9708-019B960494DF}">
-              <a14:hiddenLine xmlns:a14="http://schemas.microsoft.com/office/drawing/2010/main" w="9525">
+              <a14:hiddenLine xmlns:a14="http://schemas.microsoft.com/office/drawing/2010/main" xmlns="" w="9525">
                 <a:solidFill>
                   <a:srgbClr val="000000"/>
                 </a:solidFill>
@@ -19118,7 +18414,7 @@
           <p:cNvPr id="14" name="AutoShape 9">
             <a:extLst>
               <a:ext uri="{FF2B5EF4-FFF2-40B4-BE49-F238E27FC236}">
-                <a16:creationId xmlns:a16="http://schemas.microsoft.com/office/drawing/2014/main" id="{F5CF2C22-E7B1-42CE-896E-E3E6FB67E91C}"/>
+                <a16:creationId xmlns:a16="http://schemas.microsoft.com/office/drawing/2014/main" xmlns="" id="{F5CF2C22-E7B1-42CE-896E-E3E6FB67E91C}"/>
               </a:ext>
             </a:extLst>
           </p:cNvPr>
@@ -19259,7 +18555,7 @@
           <p:cNvPr id="15" name="Text Box 10">
             <a:extLst>
               <a:ext uri="{FF2B5EF4-FFF2-40B4-BE49-F238E27FC236}">
-                <a16:creationId xmlns:a16="http://schemas.microsoft.com/office/drawing/2014/main" id="{E5D2B502-A2F4-4775-BE3D-62A4EEA3FC13}"/>
+                <a16:creationId xmlns:a16="http://schemas.microsoft.com/office/drawing/2014/main" xmlns="" id="{E5D2B502-A2F4-4775-BE3D-62A4EEA3FC13}"/>
               </a:ext>
             </a:extLst>
           </p:cNvPr>
@@ -19282,14 +18578,14 @@
           </a:ln>
           <a:extLst>
             <a:ext uri="{909E8E84-426E-40DD-AFC4-6F175D3DCCD1}">
-              <a14:hiddenFill xmlns:a14="http://schemas.microsoft.com/office/drawing/2010/main">
+              <a14:hiddenFill xmlns:a14="http://schemas.microsoft.com/office/drawing/2010/main" xmlns="">
                 <a:solidFill>
                   <a:srgbClr val="FFFFFF"/>
                 </a:solidFill>
               </a14:hiddenFill>
             </a:ext>
             <a:ext uri="{91240B29-F687-4F45-9708-019B960494DF}">
-              <a14:hiddenLine xmlns:a14="http://schemas.microsoft.com/office/drawing/2010/main" w="9525">
+              <a14:hiddenLine xmlns:a14="http://schemas.microsoft.com/office/drawing/2010/main" xmlns="" w="9525">
                 <a:solidFill>
                   <a:srgbClr val="000000"/>
                 </a:solidFill>
@@ -19601,7 +18897,7 @@
           <p:cNvPr id="16" name="Group 11">
             <a:extLst>
               <a:ext uri="{FF2B5EF4-FFF2-40B4-BE49-F238E27FC236}">
-                <a16:creationId xmlns:a16="http://schemas.microsoft.com/office/drawing/2014/main" id="{0F4636B6-36F8-4B7E-9AC9-9A11AA344868}"/>
+                <a16:creationId xmlns:a16="http://schemas.microsoft.com/office/drawing/2014/main" xmlns="" id="{0F4636B6-36F8-4B7E-9AC9-9A11AA344868}"/>
               </a:ext>
             </a:extLst>
           </p:cNvPr>
@@ -19623,7 +18919,7 @@
             <p:cNvPr id="17" name="AutoShape 12">
               <a:extLst>
                 <a:ext uri="{FF2B5EF4-FFF2-40B4-BE49-F238E27FC236}">
-                  <a16:creationId xmlns:a16="http://schemas.microsoft.com/office/drawing/2014/main" id="{EF3B9B05-2B29-45F1-94C5-68A2EF7B9E83}"/>
+                  <a16:creationId xmlns:a16="http://schemas.microsoft.com/office/drawing/2014/main" xmlns="" id="{EF3B9B05-2B29-45F1-94C5-68A2EF7B9E83}"/>
                 </a:ext>
               </a:extLst>
             </p:cNvPr>
@@ -19764,7 +19060,7 @@
             <p:cNvPr id="18" name="Text Box 13">
               <a:extLst>
                 <a:ext uri="{FF2B5EF4-FFF2-40B4-BE49-F238E27FC236}">
-                  <a16:creationId xmlns:a16="http://schemas.microsoft.com/office/drawing/2014/main" id="{8B58F0E3-EDC8-4485-9846-411F055DC503}"/>
+                  <a16:creationId xmlns:a16="http://schemas.microsoft.com/office/drawing/2014/main" xmlns="" id="{8B58F0E3-EDC8-4485-9846-411F055DC503}"/>
                 </a:ext>
               </a:extLst>
             </p:cNvPr>
@@ -19787,14 +19083,14 @@
             </a:ln>
             <a:extLst>
               <a:ext uri="{909E8E84-426E-40DD-AFC4-6F175D3DCCD1}">
-                <a14:hiddenFill xmlns:a14="http://schemas.microsoft.com/office/drawing/2010/main">
+                <a14:hiddenFill xmlns:a14="http://schemas.microsoft.com/office/drawing/2010/main" xmlns="">
                   <a:solidFill>
                     <a:srgbClr val="FFFFFF"/>
                   </a:solidFill>
                 </a14:hiddenFill>
               </a:ext>
               <a:ext uri="{91240B29-F687-4F45-9708-019B960494DF}">
-                <a14:hiddenLine xmlns:a14="http://schemas.microsoft.com/office/drawing/2010/main" w="9525">
+                <a14:hiddenLine xmlns:a14="http://schemas.microsoft.com/office/drawing/2010/main" xmlns="" w="9525">
                   <a:solidFill>
                     <a:srgbClr val="000000"/>
                   </a:solidFill>
@@ -19995,7 +19291,7 @@
     </p:spTree>
     <p:extLst>
       <p:ext uri="{BB962C8B-B14F-4D97-AF65-F5344CB8AC3E}">
-        <p14:creationId xmlns:p14="http://schemas.microsoft.com/office/powerpoint/2010/main" val="51204498"/>
+        <p14:creationId xmlns:p14="http://schemas.microsoft.com/office/powerpoint/2010/main" xmlns="" val="51204498"/>
       </p:ext>
     </p:extLst>
   </p:cSld>
@@ -20129,28 +19425,6 @@
       </p:sp>
       <p:sp>
         <p:nvSpPr>
-          <p:cNvPr id="6" name="Date Placeholder 5"/>
-          <p:cNvSpPr>
-            <a:spLocks noGrp="1"/>
-          </p:cNvSpPr>
-          <p:nvPr>
-            <p:ph type="dt" sz="half" idx="2"/>
-          </p:nvPr>
-        </p:nvSpPr>
-        <p:spPr/>
-        <p:txBody>
-          <a:bodyPr/>
-          <a:lstStyle/>
-          <a:p>
-            <a:r>
-              <a:rPr lang="en-CA" dirty="0"/>
-              <a:t>Winter 2022</a:t>
-            </a:r>
-          </a:p>
-        </p:txBody>
-      </p:sp>
-      <p:sp>
-        <p:nvSpPr>
           <p:cNvPr id="10" name="Footer Placeholder 9"/>
           <p:cNvSpPr>
             <a:spLocks noGrp="1"/>
@@ -20203,7 +19477,7 @@
           <p:cNvPr id="7" name="AutoShape 4">
             <a:extLst>
               <a:ext uri="{FF2B5EF4-FFF2-40B4-BE49-F238E27FC236}">
-                <a16:creationId xmlns:a16="http://schemas.microsoft.com/office/drawing/2014/main" id="{7EFBE907-40F2-47D1-9BD7-B3CEDC2F52A8}"/>
+                <a16:creationId xmlns:a16="http://schemas.microsoft.com/office/drawing/2014/main" xmlns="" id="{7EFBE907-40F2-47D1-9BD7-B3CEDC2F52A8}"/>
               </a:ext>
             </a:extLst>
           </p:cNvPr>
@@ -20386,7 +19660,7 @@
           <p:cNvPr id="8" name="AutoShape 6">
             <a:extLst>
               <a:ext uri="{FF2B5EF4-FFF2-40B4-BE49-F238E27FC236}">
-                <a16:creationId xmlns:a16="http://schemas.microsoft.com/office/drawing/2014/main" id="{023607E6-2F20-401D-9A90-052951B256FE}"/>
+                <a16:creationId xmlns:a16="http://schemas.microsoft.com/office/drawing/2014/main" xmlns="" id="{023607E6-2F20-401D-9A90-052951B256FE}"/>
               </a:ext>
             </a:extLst>
           </p:cNvPr>
@@ -20569,7 +19843,7 @@
           <p:cNvPr id="9" name="AutoShape 7">
             <a:extLst>
               <a:ext uri="{FF2B5EF4-FFF2-40B4-BE49-F238E27FC236}">
-                <a16:creationId xmlns:a16="http://schemas.microsoft.com/office/drawing/2014/main" id="{517483B1-C59D-4049-9C8B-95F08D421C63}"/>
+                <a16:creationId xmlns:a16="http://schemas.microsoft.com/office/drawing/2014/main" xmlns="" id="{517483B1-C59D-4049-9C8B-95F08D421C63}"/>
               </a:ext>
             </a:extLst>
           </p:cNvPr>
@@ -20752,7 +20026,7 @@
           <p:cNvPr id="11" name="AutoShape 8">
             <a:extLst>
               <a:ext uri="{FF2B5EF4-FFF2-40B4-BE49-F238E27FC236}">
-                <a16:creationId xmlns:a16="http://schemas.microsoft.com/office/drawing/2014/main" id="{CD44DFC6-ABD5-4644-A162-76CFAE2BBC34}"/>
+                <a16:creationId xmlns:a16="http://schemas.microsoft.com/office/drawing/2014/main" xmlns="" id="{CD44DFC6-ABD5-4644-A162-76CFAE2BBC34}"/>
               </a:ext>
             </a:extLst>
           </p:cNvPr>
@@ -20935,7 +20209,7 @@
           <p:cNvPr id="13" name="AutoShape 9">
             <a:extLst>
               <a:ext uri="{FF2B5EF4-FFF2-40B4-BE49-F238E27FC236}">
-                <a16:creationId xmlns:a16="http://schemas.microsoft.com/office/drawing/2014/main" id="{9B930C7F-8388-4078-9FEB-6FA93D213CE1}"/>
+                <a16:creationId xmlns:a16="http://schemas.microsoft.com/office/drawing/2014/main" xmlns="" id="{9B930C7F-8388-4078-9FEB-6FA93D213CE1}"/>
               </a:ext>
             </a:extLst>
           </p:cNvPr>
@@ -21118,7 +20392,7 @@
           <p:cNvPr id="14" name="AutoShape 10">
             <a:extLst>
               <a:ext uri="{FF2B5EF4-FFF2-40B4-BE49-F238E27FC236}">
-                <a16:creationId xmlns:a16="http://schemas.microsoft.com/office/drawing/2014/main" id="{85E106EE-9442-439F-88C3-2EC5A4C5731A}"/>
+                <a16:creationId xmlns:a16="http://schemas.microsoft.com/office/drawing/2014/main" xmlns="" id="{85E106EE-9442-439F-88C3-2EC5A4C5731A}"/>
               </a:ext>
             </a:extLst>
           </p:cNvPr>
@@ -21301,7 +20575,7 @@
           <p:cNvPr id="15" name="AutoShape 11">
             <a:extLst>
               <a:ext uri="{FF2B5EF4-FFF2-40B4-BE49-F238E27FC236}">
-                <a16:creationId xmlns:a16="http://schemas.microsoft.com/office/drawing/2014/main" id="{2950A4D3-7AF0-4AD2-A618-95FC624C4D85}"/>
+                <a16:creationId xmlns:a16="http://schemas.microsoft.com/office/drawing/2014/main" xmlns="" id="{2950A4D3-7AF0-4AD2-A618-95FC624C4D85}"/>
               </a:ext>
             </a:extLst>
           </p:cNvPr>
@@ -21484,7 +20758,7 @@
           <p:cNvPr id="16" name="AutoShape 12">
             <a:extLst>
               <a:ext uri="{FF2B5EF4-FFF2-40B4-BE49-F238E27FC236}">
-                <a16:creationId xmlns:a16="http://schemas.microsoft.com/office/drawing/2014/main" id="{A5773D9B-3BF7-4221-9A7F-68EA68F604FE}"/>
+                <a16:creationId xmlns:a16="http://schemas.microsoft.com/office/drawing/2014/main" xmlns="" id="{A5773D9B-3BF7-4221-9A7F-68EA68F604FE}"/>
               </a:ext>
             </a:extLst>
           </p:cNvPr>
@@ -21667,7 +20941,7 @@
           <p:cNvPr id="17" name="Line 13">
             <a:extLst>
               <a:ext uri="{FF2B5EF4-FFF2-40B4-BE49-F238E27FC236}">
-                <a16:creationId xmlns:a16="http://schemas.microsoft.com/office/drawing/2014/main" id="{56C2489B-6392-41B4-8E7C-2CC1C9024E94}"/>
+                <a16:creationId xmlns:a16="http://schemas.microsoft.com/office/drawing/2014/main" xmlns="" id="{56C2489B-6392-41B4-8E7C-2CC1C9024E94}"/>
               </a:ext>
             </a:extLst>
           </p:cNvPr>
@@ -21695,7 +20969,7 @@
           </a:ln>
           <a:extLst>
             <a:ext uri="{909E8E84-426E-40DD-AFC4-6F175D3DCCD1}">
-              <a14:hiddenFill xmlns:a14="http://schemas.microsoft.com/office/drawing/2010/main">
+              <a14:hiddenFill xmlns:a14="http://schemas.microsoft.com/office/drawing/2010/main" xmlns="">
                 <a:noFill/>
               </a14:hiddenFill>
             </a:ext>
@@ -21714,7 +20988,7 @@
           <p:cNvPr id="18" name="Line 14">
             <a:extLst>
               <a:ext uri="{FF2B5EF4-FFF2-40B4-BE49-F238E27FC236}">
-                <a16:creationId xmlns:a16="http://schemas.microsoft.com/office/drawing/2014/main" id="{6E275B3E-799D-4EC9-8B3A-BB17C5C00A25}"/>
+                <a16:creationId xmlns:a16="http://schemas.microsoft.com/office/drawing/2014/main" xmlns="" id="{6E275B3E-799D-4EC9-8B3A-BB17C5C00A25}"/>
               </a:ext>
             </a:extLst>
           </p:cNvPr>
@@ -21742,7 +21016,7 @@
           </a:ln>
           <a:extLst>
             <a:ext uri="{909E8E84-426E-40DD-AFC4-6F175D3DCCD1}">
-              <a14:hiddenFill xmlns:a14="http://schemas.microsoft.com/office/drawing/2010/main">
+              <a14:hiddenFill xmlns:a14="http://schemas.microsoft.com/office/drawing/2010/main" xmlns="">
                 <a:noFill/>
               </a14:hiddenFill>
             </a:ext>
@@ -21761,7 +21035,7 @@
           <p:cNvPr id="19" name="Line 15">
             <a:extLst>
               <a:ext uri="{FF2B5EF4-FFF2-40B4-BE49-F238E27FC236}">
-                <a16:creationId xmlns:a16="http://schemas.microsoft.com/office/drawing/2014/main" id="{E85F42F2-1B21-4CEB-83FF-BFDA78856670}"/>
+                <a16:creationId xmlns:a16="http://schemas.microsoft.com/office/drawing/2014/main" xmlns="" id="{E85F42F2-1B21-4CEB-83FF-BFDA78856670}"/>
               </a:ext>
             </a:extLst>
           </p:cNvPr>
@@ -21789,7 +21063,7 @@
           </a:ln>
           <a:extLst>
             <a:ext uri="{909E8E84-426E-40DD-AFC4-6F175D3DCCD1}">
-              <a14:hiddenFill xmlns:a14="http://schemas.microsoft.com/office/drawing/2010/main">
+              <a14:hiddenFill xmlns:a14="http://schemas.microsoft.com/office/drawing/2010/main" xmlns="">
                 <a:noFill/>
               </a14:hiddenFill>
             </a:ext>
@@ -21808,7 +21082,7 @@
           <p:cNvPr id="20" name="Line 16">
             <a:extLst>
               <a:ext uri="{FF2B5EF4-FFF2-40B4-BE49-F238E27FC236}">
-                <a16:creationId xmlns:a16="http://schemas.microsoft.com/office/drawing/2014/main" id="{78B1EFBE-535F-433F-BFDE-6B3FFD36D5D1}"/>
+                <a16:creationId xmlns:a16="http://schemas.microsoft.com/office/drawing/2014/main" xmlns="" id="{78B1EFBE-535F-433F-BFDE-6B3FFD36D5D1}"/>
               </a:ext>
             </a:extLst>
           </p:cNvPr>
@@ -21836,7 +21110,7 @@
           </a:ln>
           <a:extLst>
             <a:ext uri="{909E8E84-426E-40DD-AFC4-6F175D3DCCD1}">
-              <a14:hiddenFill xmlns:a14="http://schemas.microsoft.com/office/drawing/2010/main">
+              <a14:hiddenFill xmlns:a14="http://schemas.microsoft.com/office/drawing/2010/main" xmlns="">
                 <a:noFill/>
               </a14:hiddenFill>
             </a:ext>
@@ -21855,7 +21129,7 @@
           <p:cNvPr id="21" name="Line 17">
             <a:extLst>
               <a:ext uri="{FF2B5EF4-FFF2-40B4-BE49-F238E27FC236}">
-                <a16:creationId xmlns:a16="http://schemas.microsoft.com/office/drawing/2014/main" id="{078AC76F-5273-4A7F-9B67-BFB9CA47CFE7}"/>
+                <a16:creationId xmlns:a16="http://schemas.microsoft.com/office/drawing/2014/main" xmlns="" id="{078AC76F-5273-4A7F-9B67-BFB9CA47CFE7}"/>
               </a:ext>
             </a:extLst>
           </p:cNvPr>
@@ -21883,7 +21157,7 @@
           </a:ln>
           <a:extLst>
             <a:ext uri="{909E8E84-426E-40DD-AFC4-6F175D3DCCD1}">
-              <a14:hiddenFill xmlns:a14="http://schemas.microsoft.com/office/drawing/2010/main">
+              <a14:hiddenFill xmlns:a14="http://schemas.microsoft.com/office/drawing/2010/main" xmlns="">
                 <a:noFill/>
               </a14:hiddenFill>
             </a:ext>
@@ -21902,7 +21176,7 @@
           <p:cNvPr id="22" name="Line 18">
             <a:extLst>
               <a:ext uri="{FF2B5EF4-FFF2-40B4-BE49-F238E27FC236}">
-                <a16:creationId xmlns:a16="http://schemas.microsoft.com/office/drawing/2014/main" id="{425D6275-453D-42F5-A253-9EB21360F1B7}"/>
+                <a16:creationId xmlns:a16="http://schemas.microsoft.com/office/drawing/2014/main" xmlns="" id="{425D6275-453D-42F5-A253-9EB21360F1B7}"/>
               </a:ext>
             </a:extLst>
           </p:cNvPr>
@@ -21930,7 +21204,7 @@
           </a:ln>
           <a:extLst>
             <a:ext uri="{909E8E84-426E-40DD-AFC4-6F175D3DCCD1}">
-              <a14:hiddenFill xmlns:a14="http://schemas.microsoft.com/office/drawing/2010/main">
+              <a14:hiddenFill xmlns:a14="http://schemas.microsoft.com/office/drawing/2010/main" xmlns="">
                 <a:noFill/>
               </a14:hiddenFill>
             </a:ext>
@@ -21949,7 +21223,7 @@
           <p:cNvPr id="23" name="Line 19">
             <a:extLst>
               <a:ext uri="{FF2B5EF4-FFF2-40B4-BE49-F238E27FC236}">
-                <a16:creationId xmlns:a16="http://schemas.microsoft.com/office/drawing/2014/main" id="{ADB93AE2-5570-4CB0-9A99-DDEF17A92BEB}"/>
+                <a16:creationId xmlns:a16="http://schemas.microsoft.com/office/drawing/2014/main" xmlns="" id="{ADB93AE2-5570-4CB0-9A99-DDEF17A92BEB}"/>
               </a:ext>
             </a:extLst>
           </p:cNvPr>
@@ -21977,7 +21251,7 @@
           </a:ln>
           <a:extLst>
             <a:ext uri="{909E8E84-426E-40DD-AFC4-6F175D3DCCD1}">
-              <a14:hiddenFill xmlns:a14="http://schemas.microsoft.com/office/drawing/2010/main">
+              <a14:hiddenFill xmlns:a14="http://schemas.microsoft.com/office/drawing/2010/main" xmlns="">
                 <a:noFill/>
               </a14:hiddenFill>
             </a:ext>
@@ -21994,7 +21268,7 @@
     </p:spTree>
     <p:extLst>
       <p:ext uri="{BB962C8B-B14F-4D97-AF65-F5344CB8AC3E}">
-        <p14:creationId xmlns:p14="http://schemas.microsoft.com/office/powerpoint/2010/main" val="2028171723"/>
+        <p14:creationId xmlns:p14="http://schemas.microsoft.com/office/powerpoint/2010/main" xmlns="" val="2028171723"/>
       </p:ext>
     </p:extLst>
   </p:cSld>
@@ -22116,28 +21390,6 @@
       </p:sp>
       <p:sp>
         <p:nvSpPr>
-          <p:cNvPr id="6" name="Date Placeholder 5"/>
-          <p:cNvSpPr>
-            <a:spLocks noGrp="1"/>
-          </p:cNvSpPr>
-          <p:nvPr>
-            <p:ph type="dt" sz="half" idx="2"/>
-          </p:nvPr>
-        </p:nvSpPr>
-        <p:spPr/>
-        <p:txBody>
-          <a:bodyPr/>
-          <a:lstStyle/>
-          <a:p>
-            <a:r>
-              <a:rPr lang="en-CA" dirty="0"/>
-              <a:t>Winter 2022</a:t>
-            </a:r>
-          </a:p>
-        </p:txBody>
-      </p:sp>
-      <p:sp>
-        <p:nvSpPr>
           <p:cNvPr id="10" name="Footer Placeholder 9"/>
           <p:cNvSpPr>
             <a:spLocks noGrp="1"/>
@@ -22188,7 +21440,7 @@
     </p:spTree>
     <p:extLst>
       <p:ext uri="{BB962C8B-B14F-4D97-AF65-F5344CB8AC3E}">
-        <p14:creationId xmlns:p14="http://schemas.microsoft.com/office/powerpoint/2010/main" val="497112890"/>
+        <p14:creationId xmlns:p14="http://schemas.microsoft.com/office/powerpoint/2010/main" xmlns="" val="497112890"/>
       </p:ext>
     </p:extLst>
   </p:cSld>
@@ -22316,28 +21568,6 @@
       </p:sp>
       <p:sp>
         <p:nvSpPr>
-          <p:cNvPr id="6" name="Date Placeholder 5"/>
-          <p:cNvSpPr>
-            <a:spLocks noGrp="1"/>
-          </p:cNvSpPr>
-          <p:nvPr>
-            <p:ph type="dt" sz="half" idx="2"/>
-          </p:nvPr>
-        </p:nvSpPr>
-        <p:spPr/>
-        <p:txBody>
-          <a:bodyPr/>
-          <a:lstStyle/>
-          <a:p>
-            <a:r>
-              <a:rPr lang="en-CA" dirty="0"/>
-              <a:t>Winter 2022</a:t>
-            </a:r>
-          </a:p>
-        </p:txBody>
-      </p:sp>
-      <p:sp>
-        <p:nvSpPr>
           <p:cNvPr id="10" name="Footer Placeholder 9"/>
           <p:cNvSpPr>
             <a:spLocks noGrp="1"/>
@@ -22388,7 +21618,7 @@
     </p:spTree>
     <p:extLst>
       <p:ext uri="{BB962C8B-B14F-4D97-AF65-F5344CB8AC3E}">
-        <p14:creationId xmlns:p14="http://schemas.microsoft.com/office/powerpoint/2010/main" val="831832902"/>
+        <p14:creationId xmlns:p14="http://schemas.microsoft.com/office/powerpoint/2010/main" xmlns="" val="831832902"/>
       </p:ext>
     </p:extLst>
   </p:cSld>
@@ -22441,7 +21671,7 @@
     </a:clrScheme>
     <a:fontScheme name="Office">
       <a:majorFont>
-        <a:latin typeface="Calibri Light" panose="020F0302020204030204"/>
+        <a:latin typeface="Calibri Light"/>
         <a:ea typeface=""/>
         <a:cs typeface=""/>
         <a:font script="Jpan" typeface="游ゴシック Light"/>
@@ -22493,7 +21723,7 @@
         <a:font script="Tfng" typeface="Ebrima"/>
       </a:majorFont>
       <a:minorFont>
-        <a:latin typeface="Calibri" panose="020F0502020204030204"/>
+        <a:latin typeface="Calibri"/>
         <a:ea typeface=""/>
         <a:cs typeface=""/>
         <a:font script="Jpan" typeface="游ゴシック"/>
@@ -22687,7 +21917,7 @@
   <a:extraClrSchemeLst/>
   <a:extLst>
     <a:ext uri="{05A4C25C-085E-4340-85A3-A5531E510DB2}">
-      <thm15:themeFamily xmlns:thm15="http://schemas.microsoft.com/office/thememl/2012/main" name="eye_tracker_presentation" id="{00ED1D97-A04B-46A0-BB71-88655A6B057F}" vid="{F36189FA-3966-4852-951E-5734674D1C7B}"/>
+      <thm15:themeFamily xmlns:thm15="http://schemas.microsoft.com/office/thememl/2012/main" xmlns="" name="eye_tracker_presentation" id="{00ED1D97-A04B-46A0-BB71-88655A6B057F}" vid="{F36189FA-3966-4852-951E-5734674D1C7B}"/>
     </a:ext>
   </a:extLst>
 </a:theme>
@@ -22736,7 +21966,7 @@
     </a:clrScheme>
     <a:fontScheme name="Office">
       <a:majorFont>
-        <a:latin typeface="Calibri Light" panose="020F0302020204030204"/>
+        <a:latin typeface="Calibri Light"/>
         <a:ea typeface=""/>
         <a:cs typeface=""/>
         <a:font script="Jpan" typeface="游ゴシック Light"/>
@@ -22788,7 +22018,7 @@
         <a:font script="Tfng" typeface="Ebrima"/>
       </a:majorFont>
       <a:minorFont>
-        <a:latin typeface="Calibri" panose="020F0502020204030204"/>
+        <a:latin typeface="Calibri"/>
         <a:ea typeface=""/>
         <a:cs typeface=""/>
         <a:font script="Jpan" typeface="游ゴシック"/>
@@ -22982,7 +22212,7 @@
   <a:extraClrSchemeLst/>
   <a:extLst>
     <a:ext uri="{05A4C25C-085E-4340-85A3-A5531E510DB2}">
-      <thm15:themeFamily xmlns:thm15="http://schemas.microsoft.com/office/thememl/2012/main" name="Office Theme" id="{62F939B6-93AF-4DB8-9C6B-D6C7DFDC589F}" vid="{4A3C46E8-61CC-4603-A589-7422A47A8E4A}"/>
+      <thm15:themeFamily xmlns:thm15="http://schemas.microsoft.com/office/thememl/2012/main" xmlns="" name="Office Theme" id="{62F939B6-93AF-4DB8-9C6B-D6C7DFDC589F}" vid="{4A3C46E8-61CC-4603-A589-7422A47A8E4A}"/>
     </a:ext>
   </a:extLst>
 </a:theme>
